--- a/LectureSlides/05Evaluators.pptx
+++ b/LectureSlides/05Evaluators.pptx
@@ -372,7 +372,7 @@
           <a:p>
             <a:fld id="{DF0DA02A-3D36-4521-B995-F6A931B35345}" type="datetimeFigureOut">
               <a:rPr lang="en-US" smtClean="0"/>
-              <a:t>8/17/2023</a:t>
+              <a:t>9/20/2023</a:t>
             </a:fld>
             <a:endParaRPr lang="en-US"/>
           </a:p>
@@ -580,7 +580,7 @@
           <a:p>
             <a:fld id="{DF0DA02A-3D36-4521-B995-F6A931B35345}" type="datetimeFigureOut">
               <a:rPr lang="en-US" smtClean="0"/>
-              <a:t>8/17/2023</a:t>
+              <a:t>9/20/2023</a:t>
             </a:fld>
             <a:endParaRPr lang="en-US"/>
           </a:p>
@@ -836,7 +836,7 @@
           <a:p>
             <a:fld id="{DF0DA02A-3D36-4521-B995-F6A931B35345}" type="datetimeFigureOut">
               <a:rPr lang="en-US" smtClean="0"/>
-              <a:t>8/17/2023</a:t>
+              <a:t>9/20/2023</a:t>
             </a:fld>
             <a:endParaRPr lang="en-US"/>
           </a:p>
@@ -1021,7 +1021,7 @@
           <a:p>
             <a:fld id="{DF0DA02A-3D36-4521-B995-F6A931B35345}" type="datetimeFigureOut">
               <a:rPr lang="en-US" smtClean="0"/>
-              <a:t>8/17/2023</a:t>
+              <a:t>9/20/2023</a:t>
             </a:fld>
             <a:endParaRPr lang="en-US"/>
           </a:p>
@@ -1364,7 +1364,7 @@
           <a:p>
             <a:fld id="{DF0DA02A-3D36-4521-B995-F6A931B35345}" type="datetimeFigureOut">
               <a:rPr lang="en-US" smtClean="0"/>
-              <a:t>8/17/2023</a:t>
+              <a:t>9/20/2023</a:t>
             </a:fld>
             <a:endParaRPr lang="en-US"/>
           </a:p>
@@ -1669,7 +1669,7 @@
           <a:p>
             <a:fld id="{DF0DA02A-3D36-4521-B995-F6A931B35345}" type="datetimeFigureOut">
               <a:rPr lang="en-US" smtClean="0"/>
-              <a:t>8/17/2023</a:t>
+              <a:t>9/20/2023</a:t>
             </a:fld>
             <a:endParaRPr lang="en-US"/>
           </a:p>
@@ -2078,7 +2078,7 @@
           <a:p>
             <a:fld id="{DF0DA02A-3D36-4521-B995-F6A931B35345}" type="datetimeFigureOut">
               <a:rPr lang="en-US" smtClean="0"/>
-              <a:t>8/17/2023</a:t>
+              <a:t>9/20/2023</a:t>
             </a:fld>
             <a:endParaRPr lang="en-US"/>
           </a:p>
@@ -2196,7 +2196,7 @@
           <a:p>
             <a:fld id="{DF0DA02A-3D36-4521-B995-F6A931B35345}" type="datetimeFigureOut">
               <a:rPr lang="en-US" smtClean="0"/>
-              <a:t>8/17/2023</a:t>
+              <a:t>9/20/2023</a:t>
             </a:fld>
             <a:endParaRPr lang="en-US"/>
           </a:p>
@@ -2367,7 +2367,7 @@
           <a:p>
             <a:fld id="{DF0DA02A-3D36-4521-B995-F6A931B35345}" type="datetimeFigureOut">
               <a:rPr lang="en-US" smtClean="0"/>
-              <a:t>8/17/2023</a:t>
+              <a:t>9/20/2023</a:t>
             </a:fld>
             <a:endParaRPr lang="en-US"/>
           </a:p>
@@ -2736,7 +2736,7 @@
           <a:p>
             <a:fld id="{DF0DA02A-3D36-4521-B995-F6A931B35345}" type="datetimeFigureOut">
               <a:rPr lang="en-US" smtClean="0"/>
-              <a:t>8/17/2023</a:t>
+              <a:t>9/20/2023</a:t>
             </a:fld>
             <a:endParaRPr lang="en-US"/>
           </a:p>
@@ -3113,7 +3113,7 @@
           <a:p>
             <a:fld id="{DF0DA02A-3D36-4521-B995-F6A931B35345}" type="datetimeFigureOut">
               <a:rPr lang="en-US" smtClean="0"/>
-              <a:t>8/17/2023</a:t>
+              <a:t>9/20/2023</a:t>
             </a:fld>
             <a:endParaRPr lang="en-US"/>
           </a:p>
@@ -3400,7 +3400,7 @@
           <a:p>
             <a:fld id="{DF0DA02A-3D36-4521-B995-F6A931B35345}" type="datetimeFigureOut">
               <a:rPr lang="en-US" smtClean="0"/>
-              <a:t>8/17/2023</a:t>
+              <a:t>9/20/2023</a:t>
             </a:fld>
             <a:endParaRPr lang="en-US"/>
           </a:p>
@@ -7835,13 +7835,13 @@
               <a:rPr lang="en-US" dirty="0" err="1">
                 <a:latin typeface="Consolas" panose="020B0609020204030204" pitchFamily="49" charset="0"/>
               </a:rPr>
-              <a:t>x,v</a:t>
-            </a:r>
-            <a:r>
-              <a:rPr lang="en-US" dirty="0">
-                <a:latin typeface="Consolas" panose="020B0609020204030204" pitchFamily="49" charset="0"/>
-              </a:rPr>
-              <a:t>))   = return x and v somehow???</a:t>
+              <a:t>x,e</a:t>
+            </a:r>
+            <a:r>
+              <a:rPr lang="en-US" dirty="0">
+                <a:latin typeface="Consolas" panose="020B0609020204030204" pitchFamily="49" charset="0"/>
+              </a:rPr>
+              <a:t>))   = return x and value somehow???</a:t>
             </a:r>
             <a:br>
               <a:rPr lang="en-US" dirty="0">
@@ -8071,13 +8071,49 @@
               <a:rPr lang="en-US" dirty="0" err="1">
                 <a:latin typeface="Consolas" panose="020B0609020204030204" pitchFamily="49" charset="0"/>
               </a:rPr>
-              <a:t>x,v</a:t>
-            </a:r>
-            <a:r>
-              <a:rPr lang="en-US" dirty="0">
-                <a:latin typeface="Consolas" panose="020B0609020204030204" pitchFamily="49" charset="0"/>
-              </a:rPr>
-              <a:t>)) = E[x ↦ v]</a:t>
+              <a:t>x,e</a:t>
+            </a:r>
+            <a:r>
+              <a:rPr lang="en-US" dirty="0">
+                <a:latin typeface="Consolas" panose="020B0609020204030204" pitchFamily="49" charset="0"/>
+              </a:rPr>
+              <a:t>)) = E[</a:t>
+            </a:r>
+            <a:r>
+              <a:rPr lang="en-US" dirty="0" err="1">
+                <a:latin typeface="Consolas" panose="020B0609020204030204" pitchFamily="49" charset="0"/>
+              </a:rPr>
+              <a:t>x↦v</a:t>
+            </a:r>
+            <a:r>
+              <a:rPr lang="en-US" dirty="0">
+                <a:latin typeface="Consolas" panose="020B0609020204030204" pitchFamily="49" charset="0"/>
+              </a:rPr>
+              <a:t>], v = </a:t>
+            </a:r>
+            <a:r>
+              <a:rPr lang="en-US" dirty="0" err="1">
+                <a:latin typeface="Consolas" panose="020B0609020204030204" pitchFamily="49" charset="0"/>
+              </a:rPr>
+              <a:t>eval_expr</a:t>
+            </a:r>
+            <a:r>
+              <a:rPr lang="en-US" dirty="0">
+                <a:latin typeface="Consolas" panose="020B0609020204030204" pitchFamily="49" charset="0"/>
+              </a:rPr>
+              <a:t>(</a:t>
+            </a:r>
+            <a:r>
+              <a:rPr lang="en-US" dirty="0" err="1">
+                <a:latin typeface="Consolas" panose="020B0609020204030204" pitchFamily="49" charset="0"/>
+              </a:rPr>
+              <a:t>E,e</a:t>
+            </a:r>
+            <a:r>
+              <a:rPr lang="en-US" dirty="0">
+                <a:latin typeface="Consolas" panose="020B0609020204030204" pitchFamily="49" charset="0"/>
+              </a:rPr>
+              <a:t>)</a:t>
             </a:r>
             <a:br>
               <a:rPr lang="en-US" dirty="0">
@@ -8140,7 +8176,19 @@
               <a:rPr lang="en-US" dirty="0">
                 <a:latin typeface="Consolas" panose="020B0609020204030204" pitchFamily="49" charset="0"/>
               </a:rPr>
-              <a:t>(Let(</a:t>
+              <a:t>(</a:t>
+            </a:r>
+            <a:r>
+              <a:rPr lang="en-US" dirty="0" err="1">
+                <a:latin typeface="Consolas" panose="020B0609020204030204" pitchFamily="49" charset="0"/>
+              </a:rPr>
+              <a:t>E,Let</a:t>
+            </a:r>
+            <a:r>
+              <a:rPr lang="en-US" dirty="0">
+                <a:latin typeface="Consolas" panose="020B0609020204030204" pitchFamily="49" charset="0"/>
+              </a:rPr>
+              <a:t>(</a:t>
             </a:r>
             <a:r>
               <a:rPr lang="en-US" dirty="0" err="1">
@@ -8206,7 +8254,19 @@
               <a:rPr lang="en-US" dirty="0">
                 <a:latin typeface="Consolas" panose="020B0609020204030204" pitchFamily="49" charset="0"/>
               </a:rPr>
-              <a:t>(Id(str))) = do something with str???</a:t>
+              <a:t>(</a:t>
+            </a:r>
+            <a:r>
+              <a:rPr lang="en-US" dirty="0" err="1">
+                <a:latin typeface="Consolas" panose="020B0609020204030204" pitchFamily="49" charset="0"/>
+              </a:rPr>
+              <a:t>E,Id</a:t>
+            </a:r>
+            <a:r>
+              <a:rPr lang="en-US" dirty="0">
+                <a:latin typeface="Consolas" panose="020B0609020204030204" pitchFamily="49" charset="0"/>
+              </a:rPr>
+              <a:t>(str))) = do something with str???</a:t>
             </a:r>
             <a:br>
               <a:rPr lang="en-US" dirty="0">
@@ -8223,7 +8283,19 @@
               <a:rPr lang="en-US" dirty="0">
                 <a:latin typeface="Consolas" panose="020B0609020204030204" pitchFamily="49" charset="0"/>
               </a:rPr>
-              <a:t>(Call(f,e1)) = </a:t>
+              <a:t>(</a:t>
+            </a:r>
+            <a:r>
+              <a:rPr lang="en-US" dirty="0" err="1">
+                <a:latin typeface="Consolas" panose="020B0609020204030204" pitchFamily="49" charset="0"/>
+              </a:rPr>
+              <a:t>E,Call</a:t>
+            </a:r>
+            <a:r>
+              <a:rPr lang="en-US" dirty="0">
+                <a:latin typeface="Consolas" panose="020B0609020204030204" pitchFamily="49" charset="0"/>
+              </a:rPr>
+              <a:t>(f,e1)) = </a:t>
             </a:r>
             <a:r>
               <a:rPr lang="en-US" dirty="0" err="1">
@@ -8235,7 +8307,18 @@
               <a:rPr lang="en-US" dirty="0">
                 <a:latin typeface="Consolas" panose="020B0609020204030204" pitchFamily="49" charset="0"/>
               </a:rPr>
-              <a:t>(e),something w/ f?</a:t>
+              <a:t>(E,e1),</a:t>
+            </a:r>
+            <a:br>
+              <a:rPr lang="en-US" dirty="0">
+                <a:latin typeface="Consolas" panose="020B0609020204030204" pitchFamily="49" charset="0"/>
+              </a:rPr>
+            </a:br>
+            <a:r>
+              <a:rPr lang="en-US" dirty="0">
+                <a:latin typeface="Consolas" panose="020B0609020204030204" pitchFamily="49" charset="0"/>
+              </a:rPr>
+              <a:t>                          do something with f?</a:t>
             </a:r>
             <a:br>
               <a:rPr lang="en-US" dirty="0">
@@ -8372,13 +8455,49 @@
               <a:rPr lang="en-US" dirty="0" err="1">
                 <a:latin typeface="Consolas" panose="020B0609020204030204" pitchFamily="49" charset="0"/>
               </a:rPr>
-              <a:t>x,v</a:t>
-            </a:r>
-            <a:r>
-              <a:rPr lang="en-US" dirty="0">
-                <a:latin typeface="Consolas" panose="020B0609020204030204" pitchFamily="49" charset="0"/>
-              </a:rPr>
-              <a:t>)) = E[x ↦ v]</a:t>
+              <a:t>x,e</a:t>
+            </a:r>
+            <a:r>
+              <a:rPr lang="en-US" dirty="0">
+                <a:latin typeface="Consolas" panose="020B0609020204030204" pitchFamily="49" charset="0"/>
+              </a:rPr>
+              <a:t>)) = E[</a:t>
+            </a:r>
+            <a:r>
+              <a:rPr lang="en-US" dirty="0" err="1">
+                <a:latin typeface="Consolas" panose="020B0609020204030204" pitchFamily="49" charset="0"/>
+              </a:rPr>
+              <a:t>x↦v</a:t>
+            </a:r>
+            <a:r>
+              <a:rPr lang="en-US" dirty="0">
+                <a:latin typeface="Consolas" panose="020B0609020204030204" pitchFamily="49" charset="0"/>
+              </a:rPr>
+              <a:t>], v=</a:t>
+            </a:r>
+            <a:r>
+              <a:rPr lang="en-US" dirty="0" err="1">
+                <a:latin typeface="Consolas" panose="020B0609020204030204" pitchFamily="49" charset="0"/>
+              </a:rPr>
+              <a:t>eval_expr</a:t>
+            </a:r>
+            <a:r>
+              <a:rPr lang="en-US" dirty="0">
+                <a:latin typeface="Consolas" panose="020B0609020204030204" pitchFamily="49" charset="0"/>
+              </a:rPr>
+              <a:t>(</a:t>
+            </a:r>
+            <a:r>
+              <a:rPr lang="en-US" dirty="0" err="1">
+                <a:latin typeface="Consolas" panose="020B0609020204030204" pitchFamily="49" charset="0"/>
+              </a:rPr>
+              <a:t>E,e</a:t>
+            </a:r>
+            <a:r>
+              <a:rPr lang="en-US" dirty="0">
+                <a:latin typeface="Consolas" panose="020B0609020204030204" pitchFamily="49" charset="0"/>
+              </a:rPr>
+              <a:t>)</a:t>
             </a:r>
             <a:br>
               <a:rPr lang="en-US" dirty="0">
@@ -8437,7 +8556,19 @@
               <a:rPr lang="en-US" dirty="0">
                 <a:latin typeface="Consolas" panose="020B0609020204030204" pitchFamily="49" charset="0"/>
               </a:rPr>
-              <a:t>(Let(</a:t>
+              <a:t>(</a:t>
+            </a:r>
+            <a:r>
+              <a:rPr lang="en-US" dirty="0" err="1">
+                <a:latin typeface="Consolas" panose="020B0609020204030204" pitchFamily="49" charset="0"/>
+              </a:rPr>
+              <a:t>E,Let</a:t>
+            </a:r>
+            <a:r>
+              <a:rPr lang="en-US" dirty="0">
+                <a:latin typeface="Consolas" panose="020B0609020204030204" pitchFamily="49" charset="0"/>
+              </a:rPr>
+              <a:t>(</a:t>
             </a:r>
             <a:r>
               <a:rPr lang="en-US" dirty="0" err="1">
@@ -8589,7 +8720,7 @@
               <a:rPr lang="en-US" dirty="0">
                 <a:latin typeface="Consolas" panose="020B0609020204030204" pitchFamily="49" charset="0"/>
               </a:rPr>
-              <a:t>  where E(f(x)=e2)</a:t>
+              <a:t>  where E(f(x))=e2</a:t>
             </a:r>
             <a:br>
               <a:rPr lang="en-US" dirty="0">
@@ -8743,7 +8874,7 @@
               <a:rPr lang="pt-BR" dirty="0">
                 <a:latin typeface="Consolas" panose="020B0609020204030204" pitchFamily="49" charset="0"/>
               </a:rPr>
-              <a:t>  where E(f(x)=e2)</a:t>
+              <a:t>  where E(f(x))=e2</a:t>
             </a:r>
             <a:br>
               <a:rPr lang="pt-BR" dirty="0">
@@ -9972,7 +10103,19 @@
               <a:rPr lang="en-US" dirty="0">
                 <a:latin typeface="Consolas" panose="020B0609020204030204" pitchFamily="49" charset="0"/>
               </a:rPr>
-              <a:t>(E, Number(n)) = n</a:t>
+              <a:t>(</a:t>
+            </a:r>
+            <a:r>
+              <a:rPr lang="en-US" dirty="0" err="1">
+                <a:latin typeface="Consolas" panose="020B0609020204030204" pitchFamily="49" charset="0"/>
+              </a:rPr>
+              <a:t>E,Number</a:t>
+            </a:r>
+            <a:r>
+              <a:rPr lang="en-US" dirty="0">
+                <a:latin typeface="Consolas" panose="020B0609020204030204" pitchFamily="49" charset="0"/>
+              </a:rPr>
+              <a:t>(n))  = n</a:t>
             </a:r>
             <a:br>
               <a:rPr lang="en-US" dirty="0">
@@ -9989,7 +10132,19 @@
               <a:rPr lang="en-US" dirty="0">
                 <a:latin typeface="Consolas" panose="020B0609020204030204" pitchFamily="49" charset="0"/>
               </a:rPr>
-              <a:t>(E, Times(</a:t>
+              <a:t>(</a:t>
+            </a:r>
+            <a:r>
+              <a:rPr lang="en-US" dirty="0" err="1">
+                <a:latin typeface="Consolas" panose="020B0609020204030204" pitchFamily="49" charset="0"/>
+              </a:rPr>
+              <a:t>E,Times</a:t>
+            </a:r>
+            <a:r>
+              <a:rPr lang="en-US" dirty="0">
+                <a:latin typeface="Consolas" panose="020B0609020204030204" pitchFamily="49" charset="0"/>
+              </a:rPr>
+              <a:t>(</a:t>
             </a:r>
             <a:r>
               <a:rPr lang="en-US" dirty="0" err="1">
@@ -10090,6 +10245,95 @@
               <a:rPr lang="en-US" dirty="0">
                 <a:latin typeface="Consolas" panose="020B0609020204030204" pitchFamily="49" charset="0"/>
               </a:rPr>
+              <a:t>))  = </a:t>
+            </a:r>
+            <a:r>
+              <a:rPr lang="en-US" dirty="0" err="1">
+                <a:latin typeface="Consolas" panose="020B0609020204030204" pitchFamily="49" charset="0"/>
+              </a:rPr>
+              <a:t>eval_expr</a:t>
+            </a:r>
+            <a:r>
+              <a:rPr lang="en-US" dirty="0">
+                <a:latin typeface="Consolas" panose="020B0609020204030204" pitchFamily="49" charset="0"/>
+              </a:rPr>
+              <a:t>(</a:t>
+            </a:r>
+            <a:r>
+              <a:rPr lang="en-US" dirty="0" err="1">
+                <a:latin typeface="Consolas" panose="020B0609020204030204" pitchFamily="49" charset="0"/>
+              </a:rPr>
+              <a:t>E,l</a:t>
+            </a:r>
+            <a:r>
+              <a:rPr lang="en-US" dirty="0">
+                <a:latin typeface="Consolas" panose="020B0609020204030204" pitchFamily="49" charset="0"/>
+              </a:rPr>
+              <a:t>) + </a:t>
+            </a:r>
+            <a:r>
+              <a:rPr lang="en-US" dirty="0" err="1">
+                <a:latin typeface="Consolas" panose="020B0609020204030204" pitchFamily="49" charset="0"/>
+              </a:rPr>
+              <a:t>eval_expr</a:t>
+            </a:r>
+            <a:r>
+              <a:rPr lang="en-US" dirty="0">
+                <a:latin typeface="Consolas" panose="020B0609020204030204" pitchFamily="49" charset="0"/>
+              </a:rPr>
+              <a:t>(</a:t>
+            </a:r>
+            <a:r>
+              <a:rPr lang="en-US" dirty="0" err="1">
+                <a:latin typeface="Consolas" panose="020B0609020204030204" pitchFamily="49" charset="0"/>
+              </a:rPr>
+              <a:t>E,r</a:t>
+            </a:r>
+            <a:r>
+              <a:rPr lang="en-US" dirty="0">
+                <a:latin typeface="Consolas" panose="020B0609020204030204" pitchFamily="49" charset="0"/>
+              </a:rPr>
+              <a:t>)</a:t>
+            </a:r>
+            <a:br>
+              <a:rPr lang="en-US" dirty="0">
+                <a:latin typeface="Consolas" panose="020B0609020204030204" pitchFamily="49" charset="0"/>
+              </a:rPr>
+            </a:br>
+            <a:r>
+              <a:rPr lang="en-US" dirty="0" err="1">
+                <a:latin typeface="Consolas" panose="020B0609020204030204" pitchFamily="49" charset="0"/>
+              </a:rPr>
+              <a:t>eval_expr</a:t>
+            </a:r>
+            <a:r>
+              <a:rPr lang="en-US" dirty="0">
+                <a:latin typeface="Consolas" panose="020B0609020204030204" pitchFamily="49" charset="0"/>
+              </a:rPr>
+              <a:t>(</a:t>
+            </a:r>
+            <a:r>
+              <a:rPr lang="en-US" dirty="0" err="1">
+                <a:latin typeface="Consolas" panose="020B0609020204030204" pitchFamily="49" charset="0"/>
+              </a:rPr>
+              <a:t>E,Minus</a:t>
+            </a:r>
+            <a:r>
+              <a:rPr lang="en-US" dirty="0">
+                <a:latin typeface="Consolas" panose="020B0609020204030204" pitchFamily="49" charset="0"/>
+              </a:rPr>
+              <a:t>(</a:t>
+            </a:r>
+            <a:r>
+              <a:rPr lang="en-US" dirty="0" err="1">
+                <a:latin typeface="Consolas" panose="020B0609020204030204" pitchFamily="49" charset="0"/>
+              </a:rPr>
+              <a:t>l,r</a:t>
+            </a:r>
+            <a:r>
+              <a:rPr lang="en-US" dirty="0">
+                <a:latin typeface="Consolas" panose="020B0609020204030204" pitchFamily="49" charset="0"/>
+              </a:rPr>
               <a:t>)) = </a:t>
             </a:r>
             <a:r>
@@ -10114,7 +10358,7 @@
               <a:rPr lang="en-US" dirty="0">
                 <a:latin typeface="Consolas" panose="020B0609020204030204" pitchFamily="49" charset="0"/>
               </a:rPr>
-              <a:t>) + </a:t>
+              <a:t>) – </a:t>
             </a:r>
             <a:r>
               <a:rPr lang="en-US" dirty="0" err="1">
@@ -10161,7 +10405,19 @@
               <a:rPr lang="en-US" dirty="0" err="1">
                 <a:latin typeface="Consolas" panose="020B0609020204030204" pitchFamily="49" charset="0"/>
               </a:rPr>
-              <a:t>E,Minus</a:t>
+              <a:t>E,Let</a:t>
+            </a:r>
+            <a:r>
+              <a:rPr lang="en-US" dirty="0">
+                <a:latin typeface="Consolas" panose="020B0609020204030204" pitchFamily="49" charset="0"/>
+              </a:rPr>
+              <a:t>(d, e)) = </a:t>
+            </a:r>
+            <a:r>
+              <a:rPr lang="en-US" dirty="0" err="1">
+                <a:latin typeface="Consolas" panose="020B0609020204030204" pitchFamily="49" charset="0"/>
+              </a:rPr>
+              <a:t>eval_expr</a:t>
             </a:r>
             <a:r>
               <a:rPr lang="en-US" dirty="0">
@@ -10173,14 +10429,31 @@
               <a:rPr lang="en-US" dirty="0" err="1">
                 <a:latin typeface="Consolas" panose="020B0609020204030204" pitchFamily="49" charset="0"/>
               </a:rPr>
-              <a:t>l,r</a:t>
-            </a:r>
-            <a:r>
-              <a:rPr lang="en-US" dirty="0">
-                <a:latin typeface="Consolas" panose="020B0609020204030204" pitchFamily="49" charset="0"/>
-              </a:rPr>
-              <a:t>)) = </a:t>
-            </a:r>
+              <a:t>eval_defn</a:t>
+            </a:r>
+            <a:r>
+              <a:rPr lang="en-US" dirty="0">
+                <a:latin typeface="Consolas" panose="020B0609020204030204" pitchFamily="49" charset="0"/>
+              </a:rPr>
+              <a:t>(</a:t>
+            </a:r>
+            <a:r>
+              <a:rPr lang="en-US" dirty="0" err="1">
+                <a:latin typeface="Consolas" panose="020B0609020204030204" pitchFamily="49" charset="0"/>
+              </a:rPr>
+              <a:t>E,d</a:t>
+            </a:r>
+            <a:r>
+              <a:rPr lang="en-US" dirty="0">
+                <a:latin typeface="Consolas" panose="020B0609020204030204" pitchFamily="49" charset="0"/>
+              </a:rPr>
+              <a:t>),e)</a:t>
+            </a:r>
+            <a:br>
+              <a:rPr lang="en-US" dirty="0">
+                <a:latin typeface="Consolas" panose="020B0609020204030204" pitchFamily="49" charset="0"/>
+              </a:rPr>
+            </a:br>
             <a:r>
               <a:rPr lang="en-US" dirty="0" err="1">
                 <a:latin typeface="Consolas" panose="020B0609020204030204" pitchFamily="49" charset="0"/>
@@ -10197,14 +10470,19 @@
               <a:rPr lang="en-US" dirty="0" err="1">
                 <a:latin typeface="Consolas" panose="020B0609020204030204" pitchFamily="49" charset="0"/>
               </a:rPr>
-              <a:t>E,l</a:t>
-            </a:r>
-            <a:r>
-              <a:rPr lang="en-US" dirty="0">
-                <a:latin typeface="Consolas" panose="020B0609020204030204" pitchFamily="49" charset="0"/>
-              </a:rPr>
-              <a:t>) – </a:t>
-            </a:r>
+              <a:t>E,Id</a:t>
+            </a:r>
+            <a:r>
+              <a:rPr lang="en-US" dirty="0">
+                <a:latin typeface="Consolas" panose="020B0609020204030204" pitchFamily="49" charset="0"/>
+              </a:rPr>
+              <a:t>(str))) = E(x)</a:t>
+            </a:r>
+            <a:br>
+              <a:rPr lang="en-US" dirty="0">
+                <a:latin typeface="Consolas" panose="020B0609020204030204" pitchFamily="49" charset="0"/>
+              </a:rPr>
+            </a:br>
             <a:r>
               <a:rPr lang="en-US" dirty="0" err="1">
                 <a:latin typeface="Consolas" panose="020B0609020204030204" pitchFamily="49" charset="0"/>
@@ -10221,13 +10499,25 @@
               <a:rPr lang="en-US" dirty="0" err="1">
                 <a:latin typeface="Consolas" panose="020B0609020204030204" pitchFamily="49" charset="0"/>
               </a:rPr>
-              <a:t>E,r</a:t>
-            </a:r>
-            <a:r>
-              <a:rPr lang="en-US" dirty="0">
-                <a:latin typeface="Consolas" panose="020B0609020204030204" pitchFamily="49" charset="0"/>
-              </a:rPr>
-              <a:t>)</a:t>
+              <a:t>E,Call</a:t>
+            </a:r>
+            <a:r>
+              <a:rPr lang="en-US" dirty="0">
+                <a:latin typeface="Consolas" panose="020B0609020204030204" pitchFamily="49" charset="0"/>
+              </a:rPr>
+              <a:t>(f,e1)) = </a:t>
+            </a:r>
+            <a:r>
+              <a:rPr lang="en-US" dirty="0" err="1">
+                <a:latin typeface="Consolas" panose="020B0609020204030204" pitchFamily="49" charset="0"/>
+              </a:rPr>
+              <a:t>eval_expr</a:t>
+            </a:r>
+            <a:r>
+              <a:rPr lang="en-US" dirty="0">
+                <a:latin typeface="Consolas" panose="020B0609020204030204" pitchFamily="49" charset="0"/>
+              </a:rPr>
+              <a:t>(E’,e2)</a:t>
             </a:r>
             <a:br>
               <a:rPr lang="en-US" dirty="0">
@@ -10235,145 +10525,10 @@
               </a:rPr>
             </a:br>
             <a:r>
-              <a:rPr lang="en-US" dirty="0" err="1">
-                <a:latin typeface="Consolas" panose="020B0609020204030204" pitchFamily="49" charset="0"/>
-              </a:rPr>
-              <a:t>eval_expr</a:t>
-            </a:r>
-            <a:r>
-              <a:rPr lang="en-US" dirty="0">
-                <a:latin typeface="Consolas" panose="020B0609020204030204" pitchFamily="49" charset="0"/>
-              </a:rPr>
-              <a:t>(</a:t>
-            </a:r>
-            <a:r>
-              <a:rPr lang="en-US" dirty="0" err="1">
-                <a:latin typeface="Consolas" panose="020B0609020204030204" pitchFamily="49" charset="0"/>
-              </a:rPr>
-              <a:t>E,Let</a:t>
-            </a:r>
-            <a:r>
-              <a:rPr lang="en-US" dirty="0">
-                <a:latin typeface="Consolas" panose="020B0609020204030204" pitchFamily="49" charset="0"/>
-              </a:rPr>
-              <a:t>(d, e)) = </a:t>
-            </a:r>
-            <a:r>
-              <a:rPr lang="en-US" dirty="0" err="1">
-                <a:latin typeface="Consolas" panose="020B0609020204030204" pitchFamily="49" charset="0"/>
-              </a:rPr>
-              <a:t>eval_expr</a:t>
-            </a:r>
-            <a:r>
-              <a:rPr lang="en-US" dirty="0">
-                <a:latin typeface="Consolas" panose="020B0609020204030204" pitchFamily="49" charset="0"/>
-              </a:rPr>
-              <a:t>(</a:t>
-            </a:r>
-            <a:r>
-              <a:rPr lang="en-US" dirty="0" err="1">
-                <a:latin typeface="Consolas" panose="020B0609020204030204" pitchFamily="49" charset="0"/>
-              </a:rPr>
-              <a:t>eval_defn</a:t>
-            </a:r>
-            <a:r>
-              <a:rPr lang="en-US" dirty="0">
-                <a:latin typeface="Consolas" panose="020B0609020204030204" pitchFamily="49" charset="0"/>
-              </a:rPr>
-              <a:t>(</a:t>
-            </a:r>
-            <a:r>
-              <a:rPr lang="en-US" dirty="0" err="1">
-                <a:latin typeface="Consolas" panose="020B0609020204030204" pitchFamily="49" charset="0"/>
-              </a:rPr>
-              <a:t>E,d</a:t>
-            </a:r>
-            <a:r>
-              <a:rPr lang="en-US" dirty="0">
-                <a:latin typeface="Consolas" panose="020B0609020204030204" pitchFamily="49" charset="0"/>
-              </a:rPr>
-              <a:t>),e)</a:t>
-            </a:r>
-            <a:br>
-              <a:rPr lang="en-US" dirty="0">
-                <a:latin typeface="Consolas" panose="020B0609020204030204" pitchFamily="49" charset="0"/>
-              </a:rPr>
-            </a:br>
-            <a:r>
-              <a:rPr lang="en-US" dirty="0" err="1">
-                <a:latin typeface="Consolas" panose="020B0609020204030204" pitchFamily="49" charset="0"/>
-              </a:rPr>
-              <a:t>eval_expr</a:t>
-            </a:r>
-            <a:r>
-              <a:rPr lang="en-US" dirty="0">
-                <a:latin typeface="Consolas" panose="020B0609020204030204" pitchFamily="49" charset="0"/>
-              </a:rPr>
-              <a:t>(</a:t>
-            </a:r>
-            <a:r>
-              <a:rPr lang="en-US" dirty="0" err="1">
-                <a:latin typeface="Consolas" panose="020B0609020204030204" pitchFamily="49" charset="0"/>
-              </a:rPr>
-              <a:t>E,Id</a:t>
-            </a:r>
-            <a:r>
-              <a:rPr lang="en-US" dirty="0">
-                <a:latin typeface="Consolas" panose="020B0609020204030204" pitchFamily="49" charset="0"/>
-              </a:rPr>
-              <a:t>(str))) = E(x)</a:t>
-            </a:r>
-            <a:br>
-              <a:rPr lang="en-US" dirty="0">
-                <a:latin typeface="Consolas" panose="020B0609020204030204" pitchFamily="49" charset="0"/>
-              </a:rPr>
-            </a:br>
-            <a:r>
-              <a:rPr lang="en-US" dirty="0" err="1">
-                <a:latin typeface="Consolas" panose="020B0609020204030204" pitchFamily="49" charset="0"/>
-              </a:rPr>
-              <a:t>eval_expr</a:t>
-            </a:r>
-            <a:r>
-              <a:rPr lang="en-US" dirty="0">
-                <a:latin typeface="Consolas" panose="020B0609020204030204" pitchFamily="49" charset="0"/>
-              </a:rPr>
-              <a:t>(</a:t>
-            </a:r>
-            <a:r>
-              <a:rPr lang="en-US" dirty="0" err="1">
-                <a:latin typeface="Consolas" panose="020B0609020204030204" pitchFamily="49" charset="0"/>
-              </a:rPr>
-              <a:t>E,Call</a:t>
-            </a:r>
-            <a:r>
-              <a:rPr lang="en-US" dirty="0">
-                <a:latin typeface="Consolas" panose="020B0609020204030204" pitchFamily="49" charset="0"/>
-              </a:rPr>
-              <a:t>(f,e1)) = </a:t>
-            </a:r>
-            <a:r>
-              <a:rPr lang="en-US" dirty="0" err="1">
-                <a:latin typeface="Consolas" panose="020B0609020204030204" pitchFamily="49" charset="0"/>
-              </a:rPr>
-              <a:t>eval_expr</a:t>
-            </a:r>
-            <a:r>
-              <a:rPr lang="en-US" dirty="0">
-                <a:latin typeface="Consolas" panose="020B0609020204030204" pitchFamily="49" charset="0"/>
-              </a:rPr>
-              <a:t>(E’,e2)</a:t>
-            </a:r>
-            <a:br>
-              <a:rPr lang="en-US" dirty="0">
-                <a:latin typeface="Consolas" panose="020B0609020204030204" pitchFamily="49" charset="0"/>
-              </a:rPr>
-            </a:br>
-            <a:r>
-              <a:rPr lang="en-US" dirty="0">
-                <a:latin typeface="Consolas" panose="020B0609020204030204" pitchFamily="49" charset="0"/>
-              </a:rPr>
-              <a:t>  where E(f(x) = e2)</a:t>
+              <a:rPr lang="en-US" dirty="0">
+                <a:latin typeface="Consolas" panose="020B0609020204030204" pitchFamily="49" charset="0"/>
+              </a:rPr>
+              <a:t>  where E(f(x)) = e2</a:t>
             </a:r>
             <a:br>
               <a:rPr lang="en-US" dirty="0">
@@ -10432,13 +10587,37 @@
               <a:rPr lang="en-US" dirty="0" err="1">
                 <a:latin typeface="Consolas" panose="020B0609020204030204" pitchFamily="49" charset="0"/>
               </a:rPr>
-              <a:t>x,v</a:t>
-            </a:r>
-            <a:r>
-              <a:rPr lang="en-US" dirty="0">
-                <a:latin typeface="Consolas" panose="020B0609020204030204" pitchFamily="49" charset="0"/>
-              </a:rPr>
-              <a:t>))   = E[x ↦ v]</a:t>
+              <a:t>x,e</a:t>
+            </a:r>
+            <a:r>
+              <a:rPr lang="en-US" dirty="0">
+                <a:latin typeface="Consolas" panose="020B0609020204030204" pitchFamily="49" charset="0"/>
+              </a:rPr>
+              <a:t>))   = E[</a:t>
+            </a:r>
+            <a:r>
+              <a:rPr lang="en-US" dirty="0" err="1">
+                <a:latin typeface="Consolas" panose="020B0609020204030204" pitchFamily="49" charset="0"/>
+              </a:rPr>
+              <a:t>x↦v</a:t>
+            </a:r>
+            <a:r>
+              <a:rPr lang="en-US" dirty="0">
+                <a:latin typeface="Consolas" panose="020B0609020204030204" pitchFamily="49" charset="0"/>
+              </a:rPr>
+              <a:t>], v=</a:t>
+            </a:r>
+            <a:r>
+              <a:rPr lang="en-US" dirty="0" err="1">
+                <a:latin typeface="Consolas" panose="020B0609020204030204" pitchFamily="49" charset="0"/>
+              </a:rPr>
+              <a:t>eval_expr</a:t>
+            </a:r>
+            <a:r>
+              <a:rPr lang="en-US" dirty="0">
+                <a:latin typeface="Consolas" panose="020B0609020204030204" pitchFamily="49" charset="0"/>
+              </a:rPr>
+              <a:t>(E, e)</a:t>
             </a:r>
             <a:br>
               <a:rPr lang="en-US" dirty="0">
@@ -10479,7 +10658,7 @@
               <a:rPr lang="en-US" dirty="0">
                 <a:latin typeface="Consolas" panose="020B0609020204030204" pitchFamily="49" charset="0"/>
               </a:rPr>
-              <a:t>)) = E[f(x) ↦ e]</a:t>
+              <a:t>)) = E[f(x)↦e]</a:t>
             </a:r>
           </a:p>
         </p:txBody>
@@ -10606,7 +10785,7 @@
             <a:pPr lvl="1"/>
             <a:r>
               <a:rPr lang="en-US" dirty="0"/>
-              <a:t>Toi has Booleans (enables recursive functions!)</a:t>
+              <a:t>We will add more types later, also recursion</a:t>
             </a:r>
           </a:p>
           <a:p>
@@ -10796,7 +10975,15 @@
             </a:r>
             <a:r>
               <a:rPr lang="en-US" dirty="0"/>
-              <a:t>&lt;t1,t2&gt;</a:t>
+              <a:t>&lt;</a:t>
+            </a:r>
+            <a:r>
+              <a:rPr lang="en-US" dirty="0" err="1"/>
+              <a:t>String,EnvRecord</a:t>
+            </a:r>
+            <a:r>
+              <a:rPr lang="en-US" dirty="0"/>
+              <a:t>&gt;</a:t>
             </a:r>
           </a:p>
         </p:txBody>

--- a/LectureSlides/05Evaluators.pptx
+++ b/LectureSlides/05Evaluators.pptx
@@ -372,7 +372,7 @@
           <a:p>
             <a:fld id="{DF0DA02A-3D36-4521-B995-F6A931B35345}" type="datetimeFigureOut">
               <a:rPr lang="en-US" smtClean="0"/>
-              <a:t>9/20/2023</a:t>
+              <a:t>10/14/2024</a:t>
             </a:fld>
             <a:endParaRPr lang="en-US"/>
           </a:p>
@@ -580,7 +580,7 @@
           <a:p>
             <a:fld id="{DF0DA02A-3D36-4521-B995-F6A931B35345}" type="datetimeFigureOut">
               <a:rPr lang="en-US" smtClean="0"/>
-              <a:t>9/20/2023</a:t>
+              <a:t>10/14/2024</a:t>
             </a:fld>
             <a:endParaRPr lang="en-US"/>
           </a:p>
@@ -836,7 +836,7 @@
           <a:p>
             <a:fld id="{DF0DA02A-3D36-4521-B995-F6A931B35345}" type="datetimeFigureOut">
               <a:rPr lang="en-US" smtClean="0"/>
-              <a:t>9/20/2023</a:t>
+              <a:t>10/14/2024</a:t>
             </a:fld>
             <a:endParaRPr lang="en-US"/>
           </a:p>
@@ -1021,7 +1021,7 @@
           <a:p>
             <a:fld id="{DF0DA02A-3D36-4521-B995-F6A931B35345}" type="datetimeFigureOut">
               <a:rPr lang="en-US" smtClean="0"/>
-              <a:t>9/20/2023</a:t>
+              <a:t>10/14/2024</a:t>
             </a:fld>
             <a:endParaRPr lang="en-US"/>
           </a:p>
@@ -1364,7 +1364,7 @@
           <a:p>
             <a:fld id="{DF0DA02A-3D36-4521-B995-F6A931B35345}" type="datetimeFigureOut">
               <a:rPr lang="en-US" smtClean="0"/>
-              <a:t>9/20/2023</a:t>
+              <a:t>10/14/2024</a:t>
             </a:fld>
             <a:endParaRPr lang="en-US"/>
           </a:p>
@@ -1669,7 +1669,7 @@
           <a:p>
             <a:fld id="{DF0DA02A-3D36-4521-B995-F6A931B35345}" type="datetimeFigureOut">
               <a:rPr lang="en-US" smtClean="0"/>
-              <a:t>9/20/2023</a:t>
+              <a:t>10/14/2024</a:t>
             </a:fld>
             <a:endParaRPr lang="en-US"/>
           </a:p>
@@ -2078,7 +2078,7 @@
           <a:p>
             <a:fld id="{DF0DA02A-3D36-4521-B995-F6A931B35345}" type="datetimeFigureOut">
               <a:rPr lang="en-US" smtClean="0"/>
-              <a:t>9/20/2023</a:t>
+              <a:t>10/14/2024</a:t>
             </a:fld>
             <a:endParaRPr lang="en-US"/>
           </a:p>
@@ -2196,7 +2196,7 @@
           <a:p>
             <a:fld id="{DF0DA02A-3D36-4521-B995-F6A931B35345}" type="datetimeFigureOut">
               <a:rPr lang="en-US" smtClean="0"/>
-              <a:t>9/20/2023</a:t>
+              <a:t>10/14/2024</a:t>
             </a:fld>
             <a:endParaRPr lang="en-US"/>
           </a:p>
@@ -2367,7 +2367,7 @@
           <a:p>
             <a:fld id="{DF0DA02A-3D36-4521-B995-F6A931B35345}" type="datetimeFigureOut">
               <a:rPr lang="en-US" smtClean="0"/>
-              <a:t>9/20/2023</a:t>
+              <a:t>10/14/2024</a:t>
             </a:fld>
             <a:endParaRPr lang="en-US"/>
           </a:p>
@@ -2736,7 +2736,7 @@
           <a:p>
             <a:fld id="{DF0DA02A-3D36-4521-B995-F6A931B35345}" type="datetimeFigureOut">
               <a:rPr lang="en-US" smtClean="0"/>
-              <a:t>9/20/2023</a:t>
+              <a:t>10/14/2024</a:t>
             </a:fld>
             <a:endParaRPr lang="en-US"/>
           </a:p>
@@ -3113,7 +3113,7 @@
           <a:p>
             <a:fld id="{DF0DA02A-3D36-4521-B995-F6A931B35345}" type="datetimeFigureOut">
               <a:rPr lang="en-US" smtClean="0"/>
-              <a:t>9/20/2023</a:t>
+              <a:t>10/14/2024</a:t>
             </a:fld>
             <a:endParaRPr lang="en-US"/>
           </a:p>
@@ -3400,7 +3400,7 @@
           <a:p>
             <a:fld id="{DF0DA02A-3D36-4521-B995-F6A931B35345}" type="datetimeFigureOut">
               <a:rPr lang="en-US" smtClean="0"/>
-              <a:t>9/20/2023</a:t>
+              <a:t>10/14/2024</a:t>
             </a:fld>
             <a:endParaRPr lang="en-US"/>
           </a:p>
@@ -3975,15 +3975,23 @@
           <a:p>
             <a:r>
               <a:rPr lang="en-US" dirty="0"/>
-              <a:t>Slides  ©2023 Rose </a:t>
+              <a:t>Slides  </a:t>
+            </a:r>
+            <a:r>
+              <a:rPr lang="en-US"/>
+              <a:t>©2024 </a:t>
+            </a:r>
+            <a:r>
+              <a:rPr lang="en-US" dirty="0"/>
+              <a:t>Rose </a:t>
             </a:r>
             <a:r>
               <a:rPr lang="en-US" dirty="0" err="1"/>
-              <a:t>bohrer</a:t>
-            </a:r>
-            <a:r>
-              <a:rPr lang="en-US" dirty="0"/>
-              <a:t>, used for cs 4536/536 at </a:t>
+              <a:t>bohrer,</a:t>
+            </a:r>
+            <a:r>
+              <a:rPr lang="en-US" dirty="0"/>
+              <a:t> used for cs 4536/536 at </a:t>
             </a:r>
             <a:r>
               <a:rPr lang="en-US" dirty="0" err="1"/>

--- a/LectureSlides/05Evaluators.pptx
+++ b/LectureSlides/05Evaluators.pptx
@@ -4,6 +4,9 @@
   <p:sldMasterIdLst>
     <p:sldMasterId id="2147483696" r:id="rId1"/>
   </p:sldMasterIdLst>
+  <p:notesMasterIdLst>
+    <p:notesMasterId r:id="rId39"/>
+  </p:notesMasterIdLst>
   <p:sldIdLst>
     <p:sldId id="256" r:id="rId2"/>
     <p:sldId id="257" r:id="rId3"/>
@@ -148,6 +151,355 @@
 </p:presentation>
 </file>
 
+<file path=ppt/notesMasters/notesMaster1.xml><?xml version="1.0" encoding="utf-8"?>
+<p:notesMaster xmlns:a="http://schemas.openxmlformats.org/drawingml/2006/main" xmlns:r="http://schemas.openxmlformats.org/officeDocument/2006/relationships" xmlns:p="http://schemas.openxmlformats.org/presentationml/2006/main">
+  <p:cSld>
+    <p:bg>
+      <p:bgRef idx="1001">
+        <a:schemeClr val="bg1"/>
+      </p:bgRef>
+    </p:bg>
+    <p:spTree>
+      <p:nvGrpSpPr>
+        <p:cNvPr id="1" name=""/>
+        <p:cNvGrpSpPr/>
+        <p:nvPr/>
+      </p:nvGrpSpPr>
+      <p:grpSpPr>
+        <a:xfrm>
+          <a:off x="0" y="0"/>
+          <a:ext cx="0" cy="0"/>
+          <a:chOff x="0" y="0"/>
+          <a:chExt cx="0" cy="0"/>
+        </a:xfrm>
+      </p:grpSpPr>
+      <p:sp>
+        <p:nvSpPr>
+          <p:cNvPr id="2" name="Header Placeholder 1"/>
+          <p:cNvSpPr>
+            <a:spLocks noGrp="1"/>
+          </p:cNvSpPr>
+          <p:nvPr>
+            <p:ph type="hdr" sz="quarter"/>
+          </p:nvPr>
+        </p:nvSpPr>
+        <p:spPr>
+          <a:xfrm>
+            <a:off x="0" y="0"/>
+            <a:ext cx="2971800" cy="458788"/>
+          </a:xfrm>
+          <a:prstGeom prst="rect">
+            <a:avLst/>
+          </a:prstGeom>
+        </p:spPr>
+        <p:txBody>
+          <a:bodyPr vert="horz" lIns="91440" tIns="45720" rIns="91440" bIns="45720" rtlCol="0"/>
+          <a:lstStyle>
+            <a:lvl1pPr algn="l">
+              <a:defRPr sz="1200"/>
+            </a:lvl1pPr>
+          </a:lstStyle>
+          <a:p>
+            <a:endParaRPr lang="en-US"/>
+          </a:p>
+        </p:txBody>
+      </p:sp>
+      <p:sp>
+        <p:nvSpPr>
+          <p:cNvPr id="3" name="Date Placeholder 2"/>
+          <p:cNvSpPr>
+            <a:spLocks noGrp="1"/>
+          </p:cNvSpPr>
+          <p:nvPr>
+            <p:ph type="dt" idx="1"/>
+          </p:nvPr>
+        </p:nvSpPr>
+        <p:spPr>
+          <a:xfrm>
+            <a:off x="3884613" y="0"/>
+            <a:ext cx="2971800" cy="458788"/>
+          </a:xfrm>
+          <a:prstGeom prst="rect">
+            <a:avLst/>
+          </a:prstGeom>
+        </p:spPr>
+        <p:txBody>
+          <a:bodyPr vert="horz" lIns="91440" tIns="45720" rIns="91440" bIns="45720" rtlCol="0"/>
+          <a:lstStyle>
+            <a:lvl1pPr algn="r">
+              <a:defRPr sz="1200"/>
+            </a:lvl1pPr>
+          </a:lstStyle>
+          <a:p>
+            <a:fld id="{7AEF9133-1C5D-46FA-8D71-298FE602A2EC}" type="datetimeFigureOut">
+              <a:rPr lang="en-US" smtClean="0"/>
+              <a:t>11/5/2024</a:t>
+            </a:fld>
+            <a:endParaRPr lang="en-US"/>
+          </a:p>
+        </p:txBody>
+      </p:sp>
+      <p:sp>
+        <p:nvSpPr>
+          <p:cNvPr id="4" name="Slide Image Placeholder 3"/>
+          <p:cNvSpPr>
+            <a:spLocks noGrp="1" noRot="1" noChangeAspect="1"/>
+          </p:cNvSpPr>
+          <p:nvPr>
+            <p:ph type="sldImg" idx="2"/>
+          </p:nvPr>
+        </p:nvSpPr>
+        <p:spPr>
+          <a:xfrm>
+            <a:off x="685800" y="1143000"/>
+            <a:ext cx="5486400" cy="3086100"/>
+          </a:xfrm>
+          <a:prstGeom prst="rect">
+            <a:avLst/>
+          </a:prstGeom>
+          <a:noFill/>
+          <a:ln w="12700">
+            <a:solidFill>
+              <a:prstClr val="black"/>
+            </a:solidFill>
+          </a:ln>
+        </p:spPr>
+        <p:txBody>
+          <a:bodyPr vert="horz" lIns="91440" tIns="45720" rIns="91440" bIns="45720" rtlCol="0" anchor="ctr"/>
+          <a:lstStyle/>
+          <a:p>
+            <a:endParaRPr lang="en-US"/>
+          </a:p>
+        </p:txBody>
+      </p:sp>
+      <p:sp>
+        <p:nvSpPr>
+          <p:cNvPr id="5" name="Notes Placeholder 4"/>
+          <p:cNvSpPr>
+            <a:spLocks noGrp="1"/>
+          </p:cNvSpPr>
+          <p:nvPr>
+            <p:ph type="body" sz="quarter" idx="3"/>
+          </p:nvPr>
+        </p:nvSpPr>
+        <p:spPr>
+          <a:xfrm>
+            <a:off x="685800" y="4400550"/>
+            <a:ext cx="5486400" cy="3600450"/>
+          </a:xfrm>
+          <a:prstGeom prst="rect">
+            <a:avLst/>
+          </a:prstGeom>
+        </p:spPr>
+        <p:txBody>
+          <a:bodyPr vert="horz" lIns="91440" tIns="45720" rIns="91440" bIns="45720" rtlCol="0"/>
+          <a:lstStyle/>
+          <a:p>
+            <a:pPr lvl="0"/>
+            <a:r>
+              <a:rPr lang="en-US"/>
+              <a:t>Click to edit Master text styles</a:t>
+            </a:r>
+          </a:p>
+          <a:p>
+            <a:pPr lvl="1"/>
+            <a:r>
+              <a:rPr lang="en-US"/>
+              <a:t>Second level</a:t>
+            </a:r>
+          </a:p>
+          <a:p>
+            <a:pPr lvl="2"/>
+            <a:r>
+              <a:rPr lang="en-US"/>
+              <a:t>Third level</a:t>
+            </a:r>
+          </a:p>
+          <a:p>
+            <a:pPr lvl="3"/>
+            <a:r>
+              <a:rPr lang="en-US"/>
+              <a:t>Fourth level</a:t>
+            </a:r>
+          </a:p>
+          <a:p>
+            <a:pPr lvl="4"/>
+            <a:r>
+              <a:rPr lang="en-US"/>
+              <a:t>Fifth level</a:t>
+            </a:r>
+          </a:p>
+        </p:txBody>
+      </p:sp>
+      <p:sp>
+        <p:nvSpPr>
+          <p:cNvPr id="6" name="Footer Placeholder 5"/>
+          <p:cNvSpPr>
+            <a:spLocks noGrp="1"/>
+          </p:cNvSpPr>
+          <p:nvPr>
+            <p:ph type="ftr" sz="quarter" idx="4"/>
+          </p:nvPr>
+        </p:nvSpPr>
+        <p:spPr>
+          <a:xfrm>
+            <a:off x="0" y="8685213"/>
+            <a:ext cx="2971800" cy="458787"/>
+          </a:xfrm>
+          <a:prstGeom prst="rect">
+            <a:avLst/>
+          </a:prstGeom>
+        </p:spPr>
+        <p:txBody>
+          <a:bodyPr vert="horz" lIns="91440" tIns="45720" rIns="91440" bIns="45720" rtlCol="0" anchor="b"/>
+          <a:lstStyle>
+            <a:lvl1pPr algn="l">
+              <a:defRPr sz="1200"/>
+            </a:lvl1pPr>
+          </a:lstStyle>
+          <a:p>
+            <a:endParaRPr lang="en-US"/>
+          </a:p>
+        </p:txBody>
+      </p:sp>
+      <p:sp>
+        <p:nvSpPr>
+          <p:cNvPr id="7" name="Slide Number Placeholder 6"/>
+          <p:cNvSpPr>
+            <a:spLocks noGrp="1"/>
+          </p:cNvSpPr>
+          <p:nvPr>
+            <p:ph type="sldNum" sz="quarter" idx="5"/>
+          </p:nvPr>
+        </p:nvSpPr>
+        <p:spPr>
+          <a:xfrm>
+            <a:off x="3884613" y="8685213"/>
+            <a:ext cx="2971800" cy="458787"/>
+          </a:xfrm>
+          <a:prstGeom prst="rect">
+            <a:avLst/>
+          </a:prstGeom>
+        </p:spPr>
+        <p:txBody>
+          <a:bodyPr vert="horz" lIns="91440" tIns="45720" rIns="91440" bIns="45720" rtlCol="0" anchor="b"/>
+          <a:lstStyle>
+            <a:lvl1pPr algn="r">
+              <a:defRPr sz="1200"/>
+            </a:lvl1pPr>
+          </a:lstStyle>
+          <a:p>
+            <a:fld id="{23C6EA6B-A4BC-45E6-B83D-247FDB28D0FE}" type="slidenum">
+              <a:rPr lang="en-US" smtClean="0"/>
+              <a:t>‹#›</a:t>
+            </a:fld>
+            <a:endParaRPr lang="en-US"/>
+          </a:p>
+        </p:txBody>
+      </p:sp>
+    </p:spTree>
+    <p:extLst>
+      <p:ext uri="{BB962C8B-B14F-4D97-AF65-F5344CB8AC3E}">
+        <p14:creationId xmlns:p14="http://schemas.microsoft.com/office/powerpoint/2010/main" val="308018700"/>
+      </p:ext>
+    </p:extLst>
+  </p:cSld>
+  <p:clrMap bg1="lt1" tx1="dk1" bg2="lt2" tx2="dk2" accent1="accent1" accent2="accent2" accent3="accent3" accent4="accent4" accent5="accent5" accent6="accent6" hlink="hlink" folHlink="folHlink"/>
+  <p:notesStyle>
+    <a:lvl1pPr marL="0" algn="l" defTabSz="914400" rtl="0" eaLnBrk="1" latinLnBrk="0" hangingPunct="1">
+      <a:defRPr sz="1200" kern="1200">
+        <a:solidFill>
+          <a:schemeClr val="tx1"/>
+        </a:solidFill>
+        <a:latin typeface="+mn-lt"/>
+        <a:ea typeface="+mn-ea"/>
+        <a:cs typeface="+mn-cs"/>
+      </a:defRPr>
+    </a:lvl1pPr>
+    <a:lvl2pPr marL="457200" algn="l" defTabSz="914400" rtl="0" eaLnBrk="1" latinLnBrk="0" hangingPunct="1">
+      <a:defRPr sz="1200" kern="1200">
+        <a:solidFill>
+          <a:schemeClr val="tx1"/>
+        </a:solidFill>
+        <a:latin typeface="+mn-lt"/>
+        <a:ea typeface="+mn-ea"/>
+        <a:cs typeface="+mn-cs"/>
+      </a:defRPr>
+    </a:lvl2pPr>
+    <a:lvl3pPr marL="914400" algn="l" defTabSz="914400" rtl="0" eaLnBrk="1" latinLnBrk="0" hangingPunct="1">
+      <a:defRPr sz="1200" kern="1200">
+        <a:solidFill>
+          <a:schemeClr val="tx1"/>
+        </a:solidFill>
+        <a:latin typeface="+mn-lt"/>
+        <a:ea typeface="+mn-ea"/>
+        <a:cs typeface="+mn-cs"/>
+      </a:defRPr>
+    </a:lvl3pPr>
+    <a:lvl4pPr marL="1371600" algn="l" defTabSz="914400" rtl="0" eaLnBrk="1" latinLnBrk="0" hangingPunct="1">
+      <a:defRPr sz="1200" kern="1200">
+        <a:solidFill>
+          <a:schemeClr val="tx1"/>
+        </a:solidFill>
+        <a:latin typeface="+mn-lt"/>
+        <a:ea typeface="+mn-ea"/>
+        <a:cs typeface="+mn-cs"/>
+      </a:defRPr>
+    </a:lvl4pPr>
+    <a:lvl5pPr marL="1828800" algn="l" defTabSz="914400" rtl="0" eaLnBrk="1" latinLnBrk="0" hangingPunct="1">
+      <a:defRPr sz="1200" kern="1200">
+        <a:solidFill>
+          <a:schemeClr val="tx1"/>
+        </a:solidFill>
+        <a:latin typeface="+mn-lt"/>
+        <a:ea typeface="+mn-ea"/>
+        <a:cs typeface="+mn-cs"/>
+      </a:defRPr>
+    </a:lvl5pPr>
+    <a:lvl6pPr marL="2286000" algn="l" defTabSz="914400" rtl="0" eaLnBrk="1" latinLnBrk="0" hangingPunct="1">
+      <a:defRPr sz="1200" kern="1200">
+        <a:solidFill>
+          <a:schemeClr val="tx1"/>
+        </a:solidFill>
+        <a:latin typeface="+mn-lt"/>
+        <a:ea typeface="+mn-ea"/>
+        <a:cs typeface="+mn-cs"/>
+      </a:defRPr>
+    </a:lvl6pPr>
+    <a:lvl7pPr marL="2743200" algn="l" defTabSz="914400" rtl="0" eaLnBrk="1" latinLnBrk="0" hangingPunct="1">
+      <a:defRPr sz="1200" kern="1200">
+        <a:solidFill>
+          <a:schemeClr val="tx1"/>
+        </a:solidFill>
+        <a:latin typeface="+mn-lt"/>
+        <a:ea typeface="+mn-ea"/>
+        <a:cs typeface="+mn-cs"/>
+      </a:defRPr>
+    </a:lvl7pPr>
+    <a:lvl8pPr marL="3200400" algn="l" defTabSz="914400" rtl="0" eaLnBrk="1" latinLnBrk="0" hangingPunct="1">
+      <a:defRPr sz="1200" kern="1200">
+        <a:solidFill>
+          <a:schemeClr val="tx1"/>
+        </a:solidFill>
+        <a:latin typeface="+mn-lt"/>
+        <a:ea typeface="+mn-ea"/>
+        <a:cs typeface="+mn-cs"/>
+      </a:defRPr>
+    </a:lvl8pPr>
+    <a:lvl9pPr marL="3657600" algn="l" defTabSz="914400" rtl="0" eaLnBrk="1" latinLnBrk="0" hangingPunct="1">
+      <a:defRPr sz="1200" kern="1200">
+        <a:solidFill>
+          <a:schemeClr val="tx1"/>
+        </a:solidFill>
+        <a:latin typeface="+mn-lt"/>
+        <a:ea typeface="+mn-ea"/>
+        <a:cs typeface="+mn-cs"/>
+      </a:defRPr>
+    </a:lvl9pPr>
+  </p:notesStyle>
+</p:notesMaster>
+</file>
+
 <file path=ppt/slideLayouts/slideLayout1.xml><?xml version="1.0" encoding="utf-8"?>
 <p:sldLayout xmlns:a="http://schemas.openxmlformats.org/drawingml/2006/main" xmlns:r="http://schemas.openxmlformats.org/officeDocument/2006/relationships" xmlns:p="http://schemas.openxmlformats.org/presentationml/2006/main" showMasterSp="0" type="title" preserve="1">
   <p:cSld name="Title Slide">
@@ -370,9 +722,9 @@
           <a:bodyPr/>
           <a:lstStyle/>
           <a:p>
-            <a:fld id="{DF0DA02A-3D36-4521-B995-F6A931B35345}" type="datetimeFigureOut">
+            <a:fld id="{554FF0C8-A434-4DA4-9C41-A048ECA9A189}" type="datetime1">
               <a:rPr lang="en-US" smtClean="0"/>
-              <a:t>10/14/2024</a:t>
+              <a:t>11/5/2024</a:t>
             </a:fld>
             <a:endParaRPr lang="en-US"/>
           </a:p>
@@ -578,9 +930,9 @@
           <a:bodyPr/>
           <a:lstStyle/>
           <a:p>
-            <a:fld id="{DF0DA02A-3D36-4521-B995-F6A931B35345}" type="datetimeFigureOut">
+            <a:fld id="{9AB8E922-4E15-407C-B6E8-174571E0B4D6}" type="datetime1">
               <a:rPr lang="en-US" smtClean="0"/>
-              <a:t>10/14/2024</a:t>
+              <a:t>11/5/2024</a:t>
             </a:fld>
             <a:endParaRPr lang="en-US"/>
           </a:p>
@@ -834,9 +1186,9 @@
           <a:bodyPr/>
           <a:lstStyle/>
           <a:p>
-            <a:fld id="{DF0DA02A-3D36-4521-B995-F6A931B35345}" type="datetimeFigureOut">
+            <a:fld id="{E74553A8-580B-420C-9821-AD2ADA334FE0}" type="datetime1">
               <a:rPr lang="en-US" smtClean="0"/>
-              <a:t>10/14/2024</a:t>
+              <a:t>11/5/2024</a:t>
             </a:fld>
             <a:endParaRPr lang="en-US"/>
           </a:p>
@@ -1019,9 +1371,9 @@
           <a:bodyPr/>
           <a:lstStyle/>
           <a:p>
-            <a:fld id="{DF0DA02A-3D36-4521-B995-F6A931B35345}" type="datetimeFigureOut">
+            <a:fld id="{767A8BE2-098F-4B13-8D83-A87694D02CE4}" type="datetime1">
               <a:rPr lang="en-US" smtClean="0"/>
-              <a:t>10/14/2024</a:t>
+              <a:t>11/5/2024</a:t>
             </a:fld>
             <a:endParaRPr lang="en-US"/>
           </a:p>
@@ -1362,9 +1714,9 @@
           <a:bodyPr/>
           <a:lstStyle/>
           <a:p>
-            <a:fld id="{DF0DA02A-3D36-4521-B995-F6A931B35345}" type="datetimeFigureOut">
+            <a:fld id="{67CEF9D3-AEE1-43C4-8499-2745DE81C49A}" type="datetime1">
               <a:rPr lang="en-US" smtClean="0"/>
-              <a:t>10/14/2024</a:t>
+              <a:t>11/5/2024</a:t>
             </a:fld>
             <a:endParaRPr lang="en-US"/>
           </a:p>
@@ -1667,9 +2019,9 @@
           <a:bodyPr/>
           <a:lstStyle/>
           <a:p>
-            <a:fld id="{DF0DA02A-3D36-4521-B995-F6A931B35345}" type="datetimeFigureOut">
+            <a:fld id="{2E39F528-ADD7-45B0-B225-FF7C4709E49F}" type="datetime1">
               <a:rPr lang="en-US" smtClean="0"/>
-              <a:t>10/14/2024</a:t>
+              <a:t>11/5/2024</a:t>
             </a:fld>
             <a:endParaRPr lang="en-US"/>
           </a:p>
@@ -2076,9 +2428,9 @@
           <a:bodyPr/>
           <a:lstStyle/>
           <a:p>
-            <a:fld id="{DF0DA02A-3D36-4521-B995-F6A931B35345}" type="datetimeFigureOut">
+            <a:fld id="{DCE1256A-60A6-4752-AF96-8C2FD1606609}" type="datetime1">
               <a:rPr lang="en-US" smtClean="0"/>
-              <a:t>10/14/2024</a:t>
+              <a:t>11/5/2024</a:t>
             </a:fld>
             <a:endParaRPr lang="en-US"/>
           </a:p>
@@ -2194,9 +2546,9 @@
           <a:bodyPr/>
           <a:lstStyle/>
           <a:p>
-            <a:fld id="{DF0DA02A-3D36-4521-B995-F6A931B35345}" type="datetimeFigureOut">
+            <a:fld id="{8EF605DD-BC7C-4F5A-A479-5824AF758292}" type="datetime1">
               <a:rPr lang="en-US" smtClean="0"/>
-              <a:t>10/14/2024</a:t>
+              <a:t>11/5/2024</a:t>
             </a:fld>
             <a:endParaRPr lang="en-US"/>
           </a:p>
@@ -2365,9 +2717,9 @@
           <a:bodyPr/>
           <a:lstStyle/>
           <a:p>
-            <a:fld id="{DF0DA02A-3D36-4521-B995-F6A931B35345}" type="datetimeFigureOut">
+            <a:fld id="{A34F5A76-8637-47F5-83CA-26DD4BB8D03E}" type="datetime1">
               <a:rPr lang="en-US" smtClean="0"/>
-              <a:t>10/14/2024</a:t>
+              <a:t>11/5/2024</a:t>
             </a:fld>
             <a:endParaRPr lang="en-US"/>
           </a:p>
@@ -2734,9 +3086,9 @@
             </a:lvl1pPr>
           </a:lstStyle>
           <a:p>
-            <a:fld id="{DF0DA02A-3D36-4521-B995-F6A931B35345}" type="datetimeFigureOut">
+            <a:fld id="{7A89C894-4AD4-4ED1-B6C4-8A1568AD69BD}" type="datetime1">
               <a:rPr lang="en-US" smtClean="0"/>
-              <a:t>10/14/2024</a:t>
+              <a:t>11/5/2024</a:t>
             </a:fld>
             <a:endParaRPr lang="en-US"/>
           </a:p>
@@ -3111,9 +3463,9 @@
           <a:bodyPr/>
           <a:lstStyle/>
           <a:p>
-            <a:fld id="{DF0DA02A-3D36-4521-B995-F6A931B35345}" type="datetimeFigureOut">
+            <a:fld id="{430F4260-A4D1-4E84-B500-A99675734337}" type="datetime1">
               <a:rPr lang="en-US" smtClean="0"/>
-              <a:t>10/14/2024</a:t>
+              <a:t>11/5/2024</a:t>
             </a:fld>
             <a:endParaRPr lang="en-US"/>
           </a:p>
@@ -3398,9 +3750,9 @@
             </a:lvl1pPr>
           </a:lstStyle>
           <a:p>
-            <a:fld id="{DF0DA02A-3D36-4521-B995-F6A931B35345}" type="datetimeFigureOut">
+            <a:fld id="{D97969BC-6CC1-446F-81B2-9E16D9CBDDD6}" type="datetime1">
               <a:rPr lang="en-US" smtClean="0"/>
-              <a:t>10/14/2024</a:t>
+              <a:t>11/5/2024</a:t>
             </a:fld>
             <a:endParaRPr lang="en-US"/>
           </a:p>
@@ -3539,6 +3891,7 @@
     <p:sldLayoutId id="2147483706" r:id="rId10"/>
     <p:sldLayoutId id="2147483707" r:id="rId11"/>
   </p:sldLayoutIdLst>
+  <p:hf hdr="0" ftr="0" dt="0"/>
   <p:txStyles>
     <p:titleStyle>
       <a:lvl1pPr algn="l" defTabSz="914400" rtl="0" eaLnBrk="1" latinLnBrk="0" hangingPunct="1">
@@ -4011,6 +4364,35 @@
           </a:p>
         </p:txBody>
       </p:sp>
+      <p:sp>
+        <p:nvSpPr>
+          <p:cNvPr id="4" name="Slide Number Placeholder 3">
+            <a:extLst>
+              <a:ext uri="{FF2B5EF4-FFF2-40B4-BE49-F238E27FC236}">
+                <a16:creationId xmlns:a16="http://schemas.microsoft.com/office/drawing/2014/main" id="{13A61974-BF76-4119-DAA2-DC062284C615}"/>
+              </a:ext>
+            </a:extLst>
+          </p:cNvPr>
+          <p:cNvSpPr>
+            <a:spLocks noGrp="1"/>
+          </p:cNvSpPr>
+          <p:nvPr>
+            <p:ph type="sldNum" sz="quarter" idx="12"/>
+          </p:nvPr>
+        </p:nvSpPr>
+        <p:spPr/>
+        <p:txBody>
+          <a:bodyPr/>
+          <a:lstStyle/>
+          <a:p>
+            <a:fld id="{9BF27F29-4B64-4A24-936A-FF41C34C242B}" type="slidenum">
+              <a:rPr lang="en-US" smtClean="0"/>
+              <a:t>1</a:t>
+            </a:fld>
+            <a:endParaRPr lang="en-US"/>
+          </a:p>
+        </p:txBody>
+      </p:sp>
     </p:spTree>
     <p:extLst>
       <p:ext uri="{BB962C8B-B14F-4D97-AF65-F5344CB8AC3E}">
@@ -4112,7 +4494,7 @@
             <a:pPr lvl="1"/>
             <a:r>
               <a:rPr lang="en-US" dirty="0"/>
-              <a:t>Except “value”, because its already value…</a:t>
+              <a:t>Except “value”, because it’s already a value…</a:t>
             </a:r>
           </a:p>
           <a:p>
@@ -4244,7 +4626,7 @@
                 <a:effectLst/>
                 <a:latin typeface="Courier New" panose="02070309020205020404" pitchFamily="49" charset="0"/>
               </a:rPr>
-              <a:t>ADT value = </a:t>
+              <a:t>ADT Value = </a:t>
             </a:r>
             <a:br>
               <a:rPr lang="en-US" b="0" i="0" dirty="0">
@@ -4311,7 +4693,7 @@
                 <a:effectLst/>
                 <a:latin typeface="Courier New" panose="02070309020205020404" pitchFamily="49" charset="0"/>
               </a:rPr>
-              <a:t>ADT expr = </a:t>
+              <a:t>ADT Expr = </a:t>
             </a:r>
             <a:br>
               <a:rPr lang="en-US" b="0" i="0" dirty="0">
@@ -4368,7 +4750,7 @@
                 <a:effectLst/>
                 <a:latin typeface="Courier New" panose="02070309020205020404" pitchFamily="49" charset="0"/>
               </a:rPr>
-              <a:t>| Times(expr, expr)</a:t>
+              <a:t>| Times(Expr, Expr)</a:t>
             </a:r>
             <a:br>
               <a:rPr lang="en-US" b="0" i="0" dirty="0">
@@ -4387,7 +4769,7 @@
                 <a:effectLst/>
                 <a:latin typeface="Courier New" panose="02070309020205020404" pitchFamily="49" charset="0"/>
               </a:rPr>
-              <a:t>| Plus(expr, expr)</a:t>
+              <a:t>| Plus(Expr, Expr)</a:t>
             </a:r>
             <a:br>
               <a:rPr lang="en-US" b="0" i="0" dirty="0">
@@ -4406,7 +4788,7 @@
                 <a:effectLst/>
                 <a:latin typeface="Courier New" panose="02070309020205020404" pitchFamily="49" charset="0"/>
               </a:rPr>
-              <a:t>| Minus(expr, expr)</a:t>
+              <a:t>| Minus(Expr, Expr)</a:t>
             </a:r>
             <a:br>
               <a:rPr lang="en-US" b="0" i="0" dirty="0">
@@ -4428,6 +4810,15 @@
               <a:t>| Let(</a:t>
             </a:r>
             <a:r>
+              <a:rPr lang="en-US" dirty="0" err="1">
+                <a:solidFill>
+                  <a:srgbClr val="000000"/>
+                </a:solidFill>
+                <a:latin typeface="Courier New" panose="02070309020205020404" pitchFamily="49" charset="0"/>
+              </a:rPr>
+              <a:t>D</a:t>
+            </a:r>
+            <a:r>
               <a:rPr lang="en-US" b="0" i="0" dirty="0" err="1">
                 <a:solidFill>
                   <a:srgbClr val="000000"/>
@@ -4435,7 +4826,7 @@
                 <a:effectLst/>
                 <a:latin typeface="Courier New" panose="02070309020205020404" pitchFamily="49" charset="0"/>
               </a:rPr>
-              <a:t>defn</a:t>
+              <a:t>efn</a:t>
             </a:r>
             <a:r>
               <a:rPr lang="en-US" b="0" i="0" dirty="0">
@@ -4445,7 +4836,7 @@
                 <a:effectLst/>
                 <a:latin typeface="Courier New" panose="02070309020205020404" pitchFamily="49" charset="0"/>
               </a:rPr>
-              <a:t>, expr)</a:t>
+              <a:t>, Expr)</a:t>
             </a:r>
             <a:br>
               <a:rPr lang="en-US" b="0" i="0" dirty="0">
@@ -4464,7 +4855,7 @@
                 <a:effectLst/>
                 <a:latin typeface="Courier New" panose="02070309020205020404" pitchFamily="49" charset="0"/>
               </a:rPr>
-              <a:t>| Call(string, expr) </a:t>
+              <a:t>| Call(string, Expr) </a:t>
             </a:r>
             <a:br>
               <a:rPr lang="en-US" b="0" i="0" dirty="0">
@@ -4495,6 +4886,15 @@
               <a:t>ADT </a:t>
             </a:r>
             <a:r>
+              <a:rPr lang="en-US" dirty="0" err="1">
+                <a:solidFill>
+                  <a:srgbClr val="000000"/>
+                </a:solidFill>
+                <a:latin typeface="Courier New" panose="02070309020205020404" pitchFamily="49" charset="0"/>
+              </a:rPr>
+              <a:t>D</a:t>
+            </a:r>
+            <a:r>
               <a:rPr lang="en-US" b="0" i="0" dirty="0" err="1">
                 <a:solidFill>
                   <a:srgbClr val="000000"/>
@@ -4502,7 +4902,7 @@
                 <a:effectLst/>
                 <a:latin typeface="Courier New" panose="02070309020205020404" pitchFamily="49" charset="0"/>
               </a:rPr>
-              <a:t>defn</a:t>
+              <a:t>efn</a:t>
             </a:r>
             <a:r>
               <a:rPr lang="en-US" b="0" i="0" dirty="0">
@@ -4531,7 +4931,7 @@
                 <a:effectLst/>
                 <a:latin typeface="Courier New" panose="02070309020205020404" pitchFamily="49" charset="0"/>
               </a:rPr>
-              <a:t>| Var(string, expr) </a:t>
+              <a:t>| Var(string, Expr) </a:t>
             </a:r>
             <a:br>
               <a:rPr lang="en-US" b="0" i="0" dirty="0">
@@ -4550,9 +4950,38 @@
                 <a:effectLst/>
                 <a:latin typeface="Courier New" panose="02070309020205020404" pitchFamily="49" charset="0"/>
               </a:rPr>
-              <a:t>| Fun(string, string, expr)</a:t>
+              <a:t>| Fun(string, string, Expr)</a:t>
             </a:r>
             <a:endParaRPr lang="en-US" dirty="0"/>
+          </a:p>
+        </p:txBody>
+      </p:sp>
+      <p:sp>
+        <p:nvSpPr>
+          <p:cNvPr id="3" name="Slide Number Placeholder 2">
+            <a:extLst>
+              <a:ext uri="{FF2B5EF4-FFF2-40B4-BE49-F238E27FC236}">
+                <a16:creationId xmlns:a16="http://schemas.microsoft.com/office/drawing/2014/main" id="{1FD03CEE-7F21-4777-D71D-41D614540A06}"/>
+              </a:ext>
+            </a:extLst>
+          </p:cNvPr>
+          <p:cNvSpPr>
+            <a:spLocks noGrp="1"/>
+          </p:cNvSpPr>
+          <p:nvPr>
+            <p:ph type="sldNum" sz="quarter" idx="12"/>
+          </p:nvPr>
+        </p:nvSpPr>
+        <p:spPr/>
+        <p:txBody>
+          <a:bodyPr/>
+          <a:lstStyle/>
+          <a:p>
+            <a:fld id="{9BF27F29-4B64-4A24-936A-FF41C34C242B}" type="slidenum">
+              <a:rPr lang="en-US" smtClean="0"/>
+              <a:t>10</a:t>
+            </a:fld>
+            <a:endParaRPr lang="en-US"/>
           </a:p>
         </p:txBody>
       </p:sp>
@@ -4779,7 +5208,7 @@
               <a:rPr lang="en-US" dirty="0">
                 <a:latin typeface="Consolas" panose="020B0609020204030204" pitchFamily="49" charset="0"/>
               </a:rPr>
-              <a:t>(Id(str))) = ???</a:t>
+              <a:t>(Id(x)) = ???</a:t>
             </a:r>
             <a:br>
               <a:rPr lang="en-US" dirty="0">
@@ -4873,6 +5302,35 @@
               </a:rPr>
               <a:t>)) = ???</a:t>
             </a:r>
+          </a:p>
+        </p:txBody>
+      </p:sp>
+      <p:sp>
+        <p:nvSpPr>
+          <p:cNvPr id="3" name="Slide Number Placeholder 2">
+            <a:extLst>
+              <a:ext uri="{FF2B5EF4-FFF2-40B4-BE49-F238E27FC236}">
+                <a16:creationId xmlns:a16="http://schemas.microsoft.com/office/drawing/2014/main" id="{FB3E3B51-6395-7254-7CE6-2F2F6E880796}"/>
+              </a:ext>
+            </a:extLst>
+          </p:cNvPr>
+          <p:cNvSpPr>
+            <a:spLocks noGrp="1"/>
+          </p:cNvSpPr>
+          <p:nvPr>
+            <p:ph type="sldNum" sz="quarter" idx="12"/>
+          </p:nvPr>
+        </p:nvSpPr>
+        <p:spPr/>
+        <p:txBody>
+          <a:bodyPr/>
+          <a:lstStyle/>
+          <a:p>
+            <a:fld id="{9BF27F29-4B64-4A24-936A-FF41C34C242B}" type="slidenum">
+              <a:rPr lang="en-US" smtClean="0"/>
+              <a:t>11</a:t>
+            </a:fld>
+            <a:endParaRPr lang="en-US"/>
           </a:p>
         </p:txBody>
       </p:sp>
@@ -5100,6 +5558,35 @@
           </a:p>
         </p:txBody>
       </p:sp>
+      <p:sp>
+        <p:nvSpPr>
+          <p:cNvPr id="3" name="Slide Number Placeholder 2">
+            <a:extLst>
+              <a:ext uri="{FF2B5EF4-FFF2-40B4-BE49-F238E27FC236}">
+                <a16:creationId xmlns:a16="http://schemas.microsoft.com/office/drawing/2014/main" id="{5E5A53D9-7F20-208C-5BED-B6B97C1421FF}"/>
+              </a:ext>
+            </a:extLst>
+          </p:cNvPr>
+          <p:cNvSpPr>
+            <a:spLocks noGrp="1"/>
+          </p:cNvSpPr>
+          <p:nvPr>
+            <p:ph type="sldNum" sz="quarter" idx="12"/>
+          </p:nvPr>
+        </p:nvSpPr>
+        <p:spPr/>
+        <p:txBody>
+          <a:bodyPr/>
+          <a:lstStyle/>
+          <a:p>
+            <a:fld id="{9BF27F29-4B64-4A24-936A-FF41C34C242B}" type="slidenum">
+              <a:rPr lang="en-US" smtClean="0"/>
+              <a:t>12</a:t>
+            </a:fld>
+            <a:endParaRPr lang="en-US"/>
+          </a:p>
+        </p:txBody>
+      </p:sp>
     </p:spTree>
     <p:extLst>
       <p:ext uri="{BB962C8B-B14F-4D97-AF65-F5344CB8AC3E}">
@@ -5324,6 +5811,35 @@
           </a:p>
         </p:txBody>
       </p:sp>
+      <p:sp>
+        <p:nvSpPr>
+          <p:cNvPr id="3" name="Slide Number Placeholder 2">
+            <a:extLst>
+              <a:ext uri="{FF2B5EF4-FFF2-40B4-BE49-F238E27FC236}">
+                <a16:creationId xmlns:a16="http://schemas.microsoft.com/office/drawing/2014/main" id="{FF665CDD-A9E6-3C95-19F8-631031D8A0C2}"/>
+              </a:ext>
+            </a:extLst>
+          </p:cNvPr>
+          <p:cNvSpPr>
+            <a:spLocks noGrp="1"/>
+          </p:cNvSpPr>
+          <p:nvPr>
+            <p:ph type="sldNum" sz="quarter" idx="12"/>
+          </p:nvPr>
+        </p:nvSpPr>
+        <p:spPr/>
+        <p:txBody>
+          <a:bodyPr/>
+          <a:lstStyle/>
+          <a:p>
+            <a:fld id="{9BF27F29-4B64-4A24-936A-FF41C34C242B}" type="slidenum">
+              <a:rPr lang="en-US" smtClean="0"/>
+              <a:t>13</a:t>
+            </a:fld>
+            <a:endParaRPr lang="en-US"/>
+          </a:p>
+        </p:txBody>
+      </p:sp>
     </p:spTree>
     <p:extLst>
       <p:ext uri="{BB962C8B-B14F-4D97-AF65-F5344CB8AC3E}">
@@ -5572,6 +6088,35 @@
           </a:p>
         </p:txBody>
       </p:sp>
+      <p:sp>
+        <p:nvSpPr>
+          <p:cNvPr id="3" name="Slide Number Placeholder 2">
+            <a:extLst>
+              <a:ext uri="{FF2B5EF4-FFF2-40B4-BE49-F238E27FC236}">
+                <a16:creationId xmlns:a16="http://schemas.microsoft.com/office/drawing/2014/main" id="{C466A171-CB74-1925-198F-B104093DBB6D}"/>
+              </a:ext>
+            </a:extLst>
+          </p:cNvPr>
+          <p:cNvSpPr>
+            <a:spLocks noGrp="1"/>
+          </p:cNvSpPr>
+          <p:nvPr>
+            <p:ph type="sldNum" sz="quarter" idx="12"/>
+          </p:nvPr>
+        </p:nvSpPr>
+        <p:spPr/>
+        <p:txBody>
+          <a:bodyPr/>
+          <a:lstStyle/>
+          <a:p>
+            <a:fld id="{9BF27F29-4B64-4A24-936A-FF41C34C242B}" type="slidenum">
+              <a:rPr lang="en-US" smtClean="0"/>
+              <a:t>14</a:t>
+            </a:fld>
+            <a:endParaRPr lang="en-US"/>
+          </a:p>
+        </p:txBody>
+      </p:sp>
     </p:spTree>
     <p:extLst>
       <p:ext uri="{BB962C8B-B14F-4D97-AF65-F5344CB8AC3E}">
@@ -5868,6 +6413,35 @@
           </a:p>
         </p:txBody>
       </p:sp>
+      <p:sp>
+        <p:nvSpPr>
+          <p:cNvPr id="3" name="Slide Number Placeholder 2">
+            <a:extLst>
+              <a:ext uri="{FF2B5EF4-FFF2-40B4-BE49-F238E27FC236}">
+                <a16:creationId xmlns:a16="http://schemas.microsoft.com/office/drawing/2014/main" id="{47E22348-1D6A-D2D6-6830-BB808D6E9551}"/>
+              </a:ext>
+            </a:extLst>
+          </p:cNvPr>
+          <p:cNvSpPr>
+            <a:spLocks noGrp="1"/>
+          </p:cNvSpPr>
+          <p:nvPr>
+            <p:ph type="sldNum" sz="quarter" idx="12"/>
+          </p:nvPr>
+        </p:nvSpPr>
+        <p:spPr/>
+        <p:txBody>
+          <a:bodyPr/>
+          <a:lstStyle/>
+          <a:p>
+            <a:fld id="{9BF27F29-4B64-4A24-936A-FF41C34C242B}" type="slidenum">
+              <a:rPr lang="en-US" smtClean="0"/>
+              <a:t>15</a:t>
+            </a:fld>
+            <a:endParaRPr lang="en-US"/>
+          </a:p>
+        </p:txBody>
+      </p:sp>
     </p:spTree>
     <p:extLst>
       <p:ext uri="{BB962C8B-B14F-4D97-AF65-F5344CB8AC3E}">
@@ -6046,7 +6620,7 @@
               <a:rPr lang="en-US" dirty="0">
                 <a:latin typeface="Consolas" panose="020B0609020204030204" pitchFamily="49" charset="0"/>
               </a:rPr>
-              <a:t>(Id(str))) = do something with str???</a:t>
+              <a:t>(Id(x)) = do something with x???</a:t>
             </a:r>
           </a:p>
           <a:p>
@@ -6054,6 +6628,35 @@
               <a:rPr lang="en-US" sz="2800" dirty="0"/>
               <a:t>Let’s get stuck on definitions too, then fit it all together</a:t>
             </a:r>
+          </a:p>
+        </p:txBody>
+      </p:sp>
+      <p:sp>
+        <p:nvSpPr>
+          <p:cNvPr id="3" name="Slide Number Placeholder 2">
+            <a:extLst>
+              <a:ext uri="{FF2B5EF4-FFF2-40B4-BE49-F238E27FC236}">
+                <a16:creationId xmlns:a16="http://schemas.microsoft.com/office/drawing/2014/main" id="{06569F2F-319B-30C6-7AB0-D5666A8DBCDE}"/>
+              </a:ext>
+            </a:extLst>
+          </p:cNvPr>
+          <p:cNvSpPr>
+            <a:spLocks noGrp="1"/>
+          </p:cNvSpPr>
+          <p:nvPr>
+            <p:ph type="sldNum" sz="quarter" idx="12"/>
+          </p:nvPr>
+        </p:nvSpPr>
+        <p:spPr/>
+        <p:txBody>
+          <a:bodyPr/>
+          <a:lstStyle/>
+          <a:p>
+            <a:fld id="{9BF27F29-4B64-4A24-936A-FF41C34C242B}" type="slidenum">
+              <a:rPr lang="en-US" smtClean="0"/>
+              <a:t>16</a:t>
+            </a:fld>
+            <a:endParaRPr lang="en-US"/>
           </a:p>
         </p:txBody>
       </p:sp>
@@ -6235,7 +6838,7 @@
               <a:rPr lang="en-US" dirty="0">
                 <a:latin typeface="Consolas" panose="020B0609020204030204" pitchFamily="49" charset="0"/>
               </a:rPr>
-              <a:t>(Id(str))) = do something with str???</a:t>
+              <a:t>(Id(x)) = do something with x???</a:t>
             </a:r>
             <a:br>
               <a:rPr lang="en-US" dirty="0">
@@ -6263,13 +6866,13 @@
               <a:rPr lang="en-US" dirty="0" err="1">
                 <a:latin typeface="Consolas" panose="020B0609020204030204" pitchFamily="49" charset="0"/>
               </a:rPr>
-              <a:t>x,v</a:t>
-            </a:r>
-            <a:r>
-              <a:rPr lang="en-US" dirty="0">
-                <a:latin typeface="Consolas" panose="020B0609020204030204" pitchFamily="49" charset="0"/>
-              </a:rPr>
-              <a:t>))   = return x and v somehow???</a:t>
+              <a:t>x,e</a:t>
+            </a:r>
+            <a:r>
+              <a:rPr lang="en-US" dirty="0">
+                <a:latin typeface="Consolas" panose="020B0609020204030204" pitchFamily="49" charset="0"/>
+              </a:rPr>
+              <a:t>))   = return x and value of e somehow???</a:t>
             </a:r>
             <a:br>
               <a:rPr lang="en-US" dirty="0">
@@ -6323,6 +6926,35 @@
               <a:t>We need a way to communicate definitions across and within evaluator functions</a:t>
             </a:r>
             <a:endParaRPr lang="en-US" sz="2800" b="1" dirty="0"/>
+          </a:p>
+        </p:txBody>
+      </p:sp>
+      <p:sp>
+        <p:nvSpPr>
+          <p:cNvPr id="3" name="Slide Number Placeholder 2">
+            <a:extLst>
+              <a:ext uri="{FF2B5EF4-FFF2-40B4-BE49-F238E27FC236}">
+                <a16:creationId xmlns:a16="http://schemas.microsoft.com/office/drawing/2014/main" id="{2B974F48-4637-3063-F18D-71DB60D2083F}"/>
+              </a:ext>
+            </a:extLst>
+          </p:cNvPr>
+          <p:cNvSpPr>
+            <a:spLocks noGrp="1"/>
+          </p:cNvSpPr>
+          <p:nvPr>
+            <p:ph type="sldNum" sz="quarter" idx="12"/>
+          </p:nvPr>
+        </p:nvSpPr>
+        <p:spPr/>
+        <p:txBody>
+          <a:bodyPr/>
+          <a:lstStyle/>
+          <a:p>
+            <a:fld id="{9BF27F29-4B64-4A24-936A-FF41C34C242B}" type="slidenum">
+              <a:rPr lang="en-US" smtClean="0"/>
+              <a:t>17</a:t>
+            </a:fld>
+            <a:endParaRPr lang="en-US"/>
           </a:p>
         </p:txBody>
       </p:sp>
@@ -6519,6 +7151,35 @@
           </a:p>
         </p:txBody>
       </p:sp>
+      <p:sp>
+        <p:nvSpPr>
+          <p:cNvPr id="4" name="Slide Number Placeholder 3">
+            <a:extLst>
+              <a:ext uri="{FF2B5EF4-FFF2-40B4-BE49-F238E27FC236}">
+                <a16:creationId xmlns:a16="http://schemas.microsoft.com/office/drawing/2014/main" id="{DFCD2597-F859-7D39-4472-6BAF7AB029CD}"/>
+              </a:ext>
+            </a:extLst>
+          </p:cNvPr>
+          <p:cNvSpPr>
+            <a:spLocks noGrp="1"/>
+          </p:cNvSpPr>
+          <p:nvPr>
+            <p:ph type="sldNum" sz="quarter" idx="12"/>
+          </p:nvPr>
+        </p:nvSpPr>
+        <p:spPr/>
+        <p:txBody>
+          <a:bodyPr/>
+          <a:lstStyle/>
+          <a:p>
+            <a:fld id="{9BF27F29-4B64-4A24-936A-FF41C34C242B}" type="slidenum">
+              <a:rPr lang="en-US" smtClean="0"/>
+              <a:t>18</a:t>
+            </a:fld>
+            <a:endParaRPr lang="en-US"/>
+          </a:p>
+        </p:txBody>
+      </p:sp>
     </p:spTree>
     <p:extLst>
       <p:ext uri="{BB962C8B-B14F-4D97-AF65-F5344CB8AC3E}">
@@ -6602,6 +7263,35 @@
           </a:p>
         </p:txBody>
       </p:sp>
+      <p:sp>
+        <p:nvSpPr>
+          <p:cNvPr id="4" name="Slide Number Placeholder 3">
+            <a:extLst>
+              <a:ext uri="{FF2B5EF4-FFF2-40B4-BE49-F238E27FC236}">
+                <a16:creationId xmlns:a16="http://schemas.microsoft.com/office/drawing/2014/main" id="{C1DCC0FE-F6BC-2C21-062E-0B17F02808A1}"/>
+              </a:ext>
+            </a:extLst>
+          </p:cNvPr>
+          <p:cNvSpPr>
+            <a:spLocks noGrp="1"/>
+          </p:cNvSpPr>
+          <p:nvPr>
+            <p:ph type="sldNum" sz="quarter" idx="12"/>
+          </p:nvPr>
+        </p:nvSpPr>
+        <p:spPr/>
+        <p:txBody>
+          <a:bodyPr/>
+          <a:lstStyle/>
+          <a:p>
+            <a:fld id="{9BF27F29-4B64-4A24-936A-FF41C34C242B}" type="slidenum">
+              <a:rPr lang="en-US" smtClean="0"/>
+              <a:t>19</a:t>
+            </a:fld>
+            <a:endParaRPr lang="en-US"/>
+          </a:p>
+        </p:txBody>
+      </p:sp>
     </p:spTree>
     <p:extLst>
       <p:ext uri="{BB962C8B-B14F-4D97-AF65-F5344CB8AC3E}">
@@ -6710,6 +7400,35 @@
           </a:p>
         </p:txBody>
       </p:sp>
+      <p:sp>
+        <p:nvSpPr>
+          <p:cNvPr id="4" name="Slide Number Placeholder 3">
+            <a:extLst>
+              <a:ext uri="{FF2B5EF4-FFF2-40B4-BE49-F238E27FC236}">
+                <a16:creationId xmlns:a16="http://schemas.microsoft.com/office/drawing/2014/main" id="{F9416020-B2C2-11C3-654F-A2A671F98767}"/>
+              </a:ext>
+            </a:extLst>
+          </p:cNvPr>
+          <p:cNvSpPr>
+            <a:spLocks noGrp="1"/>
+          </p:cNvSpPr>
+          <p:nvPr>
+            <p:ph type="sldNum" sz="quarter" idx="12"/>
+          </p:nvPr>
+        </p:nvSpPr>
+        <p:spPr/>
+        <p:txBody>
+          <a:bodyPr/>
+          <a:lstStyle/>
+          <a:p>
+            <a:fld id="{9BF27F29-4B64-4A24-936A-FF41C34C242B}" type="slidenum">
+              <a:rPr lang="en-US" smtClean="0"/>
+              <a:t>2</a:t>
+            </a:fld>
+            <a:endParaRPr lang="en-US"/>
+          </a:p>
+        </p:txBody>
+      </p:sp>
     </p:spTree>
     <p:extLst>
       <p:ext uri="{BB962C8B-B14F-4D97-AF65-F5344CB8AC3E}">
@@ -6831,6 +7550,35 @@
           </a:p>
         </p:txBody>
       </p:sp>
+      <p:sp>
+        <p:nvSpPr>
+          <p:cNvPr id="4" name="Slide Number Placeholder 3">
+            <a:extLst>
+              <a:ext uri="{FF2B5EF4-FFF2-40B4-BE49-F238E27FC236}">
+                <a16:creationId xmlns:a16="http://schemas.microsoft.com/office/drawing/2014/main" id="{1B26B5D8-E8D7-99CD-3A8F-B2A3B1CA14EF}"/>
+              </a:ext>
+            </a:extLst>
+          </p:cNvPr>
+          <p:cNvSpPr>
+            <a:spLocks noGrp="1"/>
+          </p:cNvSpPr>
+          <p:nvPr>
+            <p:ph type="sldNum" sz="quarter" idx="12"/>
+          </p:nvPr>
+        </p:nvSpPr>
+        <p:spPr/>
+        <p:txBody>
+          <a:bodyPr/>
+          <a:lstStyle/>
+          <a:p>
+            <a:fld id="{9BF27F29-4B64-4A24-936A-FF41C34C242B}" type="slidenum">
+              <a:rPr lang="en-US" smtClean="0"/>
+              <a:t>20</a:t>
+            </a:fld>
+            <a:endParaRPr lang="en-US"/>
+          </a:p>
+        </p:txBody>
+      </p:sp>
     </p:spTree>
     <p:extLst>
       <p:ext uri="{BB962C8B-B14F-4D97-AF65-F5344CB8AC3E}">
@@ -7061,6 +7809,15 @@
               <a:t>ADT </a:t>
             </a:r>
             <a:r>
+              <a:rPr lang="en-US" sz="2400" dirty="0" err="1">
+                <a:solidFill>
+                  <a:srgbClr val="000000"/>
+                </a:solidFill>
+                <a:latin typeface="Courier New" panose="02070309020205020404" pitchFamily="49" charset="0"/>
+              </a:rPr>
+              <a:t>D</a:t>
+            </a:r>
+            <a:r>
               <a:rPr lang="en-US" sz="2400" b="0" i="0" dirty="0" err="1">
                 <a:solidFill>
                   <a:srgbClr val="000000"/>
@@ -7068,7 +7825,7 @@
                 <a:effectLst/>
                 <a:latin typeface="Courier New" panose="02070309020205020404" pitchFamily="49" charset="0"/>
               </a:rPr>
-              <a:t>defn</a:t>
+              <a:t>efn</a:t>
             </a:r>
             <a:r>
               <a:rPr lang="en-US" sz="2400" b="0" i="0" dirty="0">
@@ -7090,7 +7847,7 @@
                 <a:effectLst/>
                 <a:latin typeface="Courier New" panose="02070309020205020404" pitchFamily="49" charset="0"/>
               </a:rPr>
-              <a:t>| Var(string, expr) </a:t>
+              <a:t>| Var(string, Expr) </a:t>
             </a:r>
           </a:p>
           <a:p>
@@ -7102,9 +7859,38 @@
                 <a:effectLst/>
                 <a:latin typeface="Courier New" panose="02070309020205020404" pitchFamily="49" charset="0"/>
               </a:rPr>
-              <a:t>| Fun(string, string, expr)</a:t>
+              <a:t>| Fun(string, string, Expr)</a:t>
             </a:r>
             <a:endParaRPr lang="en-US" sz="2400" dirty="0"/>
+          </a:p>
+        </p:txBody>
+      </p:sp>
+      <p:sp>
+        <p:nvSpPr>
+          <p:cNvPr id="4" name="Slide Number Placeholder 3">
+            <a:extLst>
+              <a:ext uri="{FF2B5EF4-FFF2-40B4-BE49-F238E27FC236}">
+                <a16:creationId xmlns:a16="http://schemas.microsoft.com/office/drawing/2014/main" id="{9486DC2B-068D-9551-01E6-D4779F2F2557}"/>
+              </a:ext>
+            </a:extLst>
+          </p:cNvPr>
+          <p:cNvSpPr>
+            <a:spLocks noGrp="1"/>
+          </p:cNvSpPr>
+          <p:nvPr>
+            <p:ph type="sldNum" sz="quarter" idx="12"/>
+          </p:nvPr>
+        </p:nvSpPr>
+        <p:spPr/>
+        <p:txBody>
+          <a:bodyPr/>
+          <a:lstStyle/>
+          <a:p>
+            <a:fld id="{9BF27F29-4B64-4A24-936A-FF41C34C242B}" type="slidenum">
+              <a:rPr lang="en-US" smtClean="0"/>
+              <a:t>21</a:t>
+            </a:fld>
+            <a:endParaRPr lang="en-US"/>
           </a:p>
         </p:txBody>
       </p:sp>
@@ -7257,7 +8043,7 @@
                 </a:solidFill>
                 <a:latin typeface="Noto Serif" panose="02020600060500020200" pitchFamily="18" charset="0"/>
               </a:rPr>
-              <a:t>e</a:t>
+              <a:t>EnvR</a:t>
             </a:r>
             <a:r>
               <a:rPr lang="en-US" b="0" i="0" dirty="0" err="1">
@@ -7267,7 +8053,7 @@
                 <a:effectLst/>
                 <a:latin typeface="Noto Serif" panose="02020600060500020200" pitchFamily="18" charset="0"/>
               </a:rPr>
-              <a:t>nv_record</a:t>
+              <a:t>ecord</a:t>
             </a:r>
             <a:endParaRPr lang="en-US" b="0" i="0" dirty="0">
               <a:solidFill>
@@ -7318,6 +8104,15 @@
               <a:t>ADT </a:t>
             </a:r>
             <a:r>
+              <a:rPr lang="en-US" sz="2400" dirty="0" err="1">
+                <a:solidFill>
+                  <a:srgbClr val="000000"/>
+                </a:solidFill>
+                <a:latin typeface="Courier New" panose="02070309020205020404" pitchFamily="49" charset="0"/>
+              </a:rPr>
+              <a:t>D</a:t>
+            </a:r>
+            <a:r>
               <a:rPr lang="en-US" sz="2400" b="0" i="0" dirty="0" err="1">
                 <a:solidFill>
                   <a:srgbClr val="000000"/>
@@ -7325,7 +8120,7 @@
                 <a:effectLst/>
                 <a:latin typeface="Courier New" panose="02070309020205020404" pitchFamily="49" charset="0"/>
               </a:rPr>
-              <a:t>defn</a:t>
+              <a:t>efn</a:t>
             </a:r>
             <a:r>
               <a:rPr lang="en-US" sz="2400" b="0" i="0" dirty="0">
@@ -7347,7 +8142,7 @@
                 <a:effectLst/>
                 <a:latin typeface="Courier New" panose="02070309020205020404" pitchFamily="49" charset="0"/>
               </a:rPr>
-              <a:t>| Var(string, expr) </a:t>
+              <a:t>| Var(string, Expr) </a:t>
             </a:r>
           </a:p>
           <a:p>
@@ -7359,7 +8154,7 @@
                 <a:effectLst/>
                 <a:latin typeface="Courier New" panose="02070309020205020404" pitchFamily="49" charset="0"/>
               </a:rPr>
-              <a:t>| Fun(string, string, expr)</a:t>
+              <a:t>| Fun(string, string, Expr)</a:t>
             </a:r>
             <a:endParaRPr lang="en-US" sz="2400" dirty="0"/>
           </a:p>
@@ -7410,7 +8205,7 @@
                 </a:solidFill>
                 <a:latin typeface="Courier New" panose="02070309020205020404" pitchFamily="49" charset="0"/>
               </a:rPr>
-              <a:t>e</a:t>
+              <a:t>EnvR</a:t>
             </a:r>
             <a:r>
               <a:rPr lang="en-US" sz="2400" b="0" i="0" dirty="0" err="1">
@@ -7420,7 +8215,7 @@
                 <a:effectLst/>
                 <a:latin typeface="Courier New" panose="02070309020205020404" pitchFamily="49" charset="0"/>
               </a:rPr>
-              <a:t>nv_record</a:t>
+              <a:t>ecord</a:t>
             </a:r>
             <a:r>
               <a:rPr lang="en-US" sz="2400" b="0" i="0" dirty="0">
@@ -7462,7 +8257,7 @@
                 <a:effectLst/>
                 <a:latin typeface="Courier New" panose="02070309020205020404" pitchFamily="49" charset="0"/>
               </a:rPr>
-              <a:t>(string, expr) </a:t>
+              <a:t>(string, Expr) </a:t>
             </a:r>
           </a:p>
           <a:p>
@@ -7497,6 +8292,35 @@
               <a:t>(value)</a:t>
             </a:r>
             <a:endParaRPr lang="en-US" sz="2400" dirty="0"/>
+          </a:p>
+        </p:txBody>
+      </p:sp>
+      <p:sp>
+        <p:nvSpPr>
+          <p:cNvPr id="6" name="Slide Number Placeholder 5">
+            <a:extLst>
+              <a:ext uri="{FF2B5EF4-FFF2-40B4-BE49-F238E27FC236}">
+                <a16:creationId xmlns:a16="http://schemas.microsoft.com/office/drawing/2014/main" id="{A891A594-9E35-8B5F-AB05-7F422827FDBD}"/>
+              </a:ext>
+            </a:extLst>
+          </p:cNvPr>
+          <p:cNvSpPr>
+            <a:spLocks noGrp="1"/>
+          </p:cNvSpPr>
+          <p:nvPr>
+            <p:ph type="sldNum" sz="quarter" idx="12"/>
+          </p:nvPr>
+        </p:nvSpPr>
+        <p:spPr/>
+        <p:txBody>
+          <a:bodyPr/>
+          <a:lstStyle/>
+          <a:p>
+            <a:fld id="{9BF27F29-4B64-4A24-936A-FF41C34C242B}" type="slidenum">
+              <a:rPr lang="en-US" smtClean="0"/>
+              <a:t>22</a:t>
+            </a:fld>
+            <a:endParaRPr lang="en-US"/>
           </a:p>
         </p:txBody>
       </p:sp>
@@ -7651,6 +8475,35 @@
           </a:p>
         </p:txBody>
       </p:sp>
+      <p:sp>
+        <p:nvSpPr>
+          <p:cNvPr id="4" name="Slide Number Placeholder 3">
+            <a:extLst>
+              <a:ext uri="{FF2B5EF4-FFF2-40B4-BE49-F238E27FC236}">
+                <a16:creationId xmlns:a16="http://schemas.microsoft.com/office/drawing/2014/main" id="{4666B778-6F81-5BDF-446F-C0E0DC7486BD}"/>
+              </a:ext>
+            </a:extLst>
+          </p:cNvPr>
+          <p:cNvSpPr>
+            <a:spLocks noGrp="1"/>
+          </p:cNvSpPr>
+          <p:nvPr>
+            <p:ph type="sldNum" sz="quarter" idx="12"/>
+          </p:nvPr>
+        </p:nvSpPr>
+        <p:spPr/>
+        <p:txBody>
+          <a:bodyPr/>
+          <a:lstStyle/>
+          <a:p>
+            <a:fld id="{9BF27F29-4B64-4A24-936A-FF41C34C242B}" type="slidenum">
+              <a:rPr lang="en-US" smtClean="0"/>
+              <a:t>23</a:t>
+            </a:fld>
+            <a:endParaRPr lang="en-US"/>
+          </a:p>
+        </p:txBody>
+      </p:sp>
     </p:spTree>
     <p:extLst>
       <p:ext uri="{BB962C8B-B14F-4D97-AF65-F5344CB8AC3E}">
@@ -7734,6 +8587,35 @@
           </a:p>
         </p:txBody>
       </p:sp>
+      <p:sp>
+        <p:nvSpPr>
+          <p:cNvPr id="4" name="Slide Number Placeholder 3">
+            <a:extLst>
+              <a:ext uri="{FF2B5EF4-FFF2-40B4-BE49-F238E27FC236}">
+                <a16:creationId xmlns:a16="http://schemas.microsoft.com/office/drawing/2014/main" id="{1D307749-9D3C-FD29-7D5F-77CFDCC67613}"/>
+              </a:ext>
+            </a:extLst>
+          </p:cNvPr>
+          <p:cNvSpPr>
+            <a:spLocks noGrp="1"/>
+          </p:cNvSpPr>
+          <p:nvPr>
+            <p:ph type="sldNum" sz="quarter" idx="12"/>
+          </p:nvPr>
+        </p:nvSpPr>
+        <p:spPr/>
+        <p:txBody>
+          <a:bodyPr/>
+          <a:lstStyle/>
+          <a:p>
+            <a:fld id="{9BF27F29-4B64-4A24-936A-FF41C34C242B}" type="slidenum">
+              <a:rPr lang="en-US" smtClean="0"/>
+              <a:t>24</a:t>
+            </a:fld>
+            <a:endParaRPr lang="en-US"/>
+          </a:p>
+        </p:txBody>
+      </p:sp>
     </p:spTree>
     <p:extLst>
       <p:ext uri="{BB962C8B-B14F-4D97-AF65-F5344CB8AC3E}">
@@ -7913,7 +8795,7 @@
               <a:rPr lang="en-US" dirty="0">
                 <a:latin typeface="Consolas" panose="020B0609020204030204" pitchFamily="49" charset="0"/>
               </a:rPr>
-              <a:t>(Id(str))) = do something with str???</a:t>
+              <a:t>(Id(x)) = do something with x???</a:t>
             </a:r>
             <a:br>
               <a:rPr lang="en-US" dirty="0">
@@ -7930,7 +8812,19 @@
               <a:rPr lang="en-US" dirty="0">
                 <a:latin typeface="Consolas" panose="020B0609020204030204" pitchFamily="49" charset="0"/>
               </a:rPr>
-              <a:t>(Call(f,e1)) = </a:t>
+              <a:t>(Call(</a:t>
+            </a:r>
+            <a:r>
+              <a:rPr lang="en-US" dirty="0" err="1">
+                <a:latin typeface="Consolas" panose="020B0609020204030204" pitchFamily="49" charset="0"/>
+              </a:rPr>
+              <a:t>f,e</a:t>
+            </a:r>
+            <a:r>
+              <a:rPr lang="en-US" dirty="0">
+                <a:latin typeface="Consolas" panose="020B0609020204030204" pitchFamily="49" charset="0"/>
+              </a:rPr>
+              <a:t>)) = </a:t>
             </a:r>
             <a:r>
               <a:rPr lang="en-US" dirty="0" err="1">
@@ -7955,6 +8849,35 @@
               </a:rPr>
             </a:br>
             <a:endParaRPr lang="en-US" dirty="0"/>
+          </a:p>
+        </p:txBody>
+      </p:sp>
+      <p:sp>
+        <p:nvSpPr>
+          <p:cNvPr id="4" name="Slide Number Placeholder 3">
+            <a:extLst>
+              <a:ext uri="{FF2B5EF4-FFF2-40B4-BE49-F238E27FC236}">
+                <a16:creationId xmlns:a16="http://schemas.microsoft.com/office/drawing/2014/main" id="{0566307C-4C10-3917-16DB-3F8F22CA7BC6}"/>
+              </a:ext>
+            </a:extLst>
+          </p:cNvPr>
+          <p:cNvSpPr>
+            <a:spLocks noGrp="1"/>
+          </p:cNvSpPr>
+          <p:nvPr>
+            <p:ph type="sldNum" sz="quarter" idx="12"/>
+          </p:nvPr>
+        </p:nvSpPr>
+        <p:spPr/>
+        <p:txBody>
+          <a:bodyPr/>
+          <a:lstStyle/>
+          <a:p>
+            <a:fld id="{9BF27F29-4B64-4A24-936A-FF41C34C242B}" type="slidenum">
+              <a:rPr lang="en-US" smtClean="0"/>
+              <a:t>25</a:t>
+            </a:fld>
+            <a:endParaRPr lang="en-US"/>
           </a:p>
         </p:txBody>
       </p:sp>
@@ -8035,7 +8958,7 @@
         <p:spPr/>
         <p:txBody>
           <a:bodyPr>
-            <a:normAutofit fontScale="92500"/>
+            <a:normAutofit lnSpcReduction="10000"/>
           </a:bodyPr>
           <a:lstStyle/>
           <a:p>
@@ -8214,7 +9137,7 @@
               <a:rPr lang="en-US" dirty="0" err="1">
                 <a:latin typeface="Consolas" panose="020B0609020204030204" pitchFamily="49" charset="0"/>
               </a:rPr>
-              <a:t>interp_expr</a:t>
+              <a:t>eval_expr</a:t>
             </a:r>
             <a:r>
               <a:rPr lang="en-US" dirty="0">
@@ -8226,7 +9149,7 @@
               <a:rPr lang="en-US" dirty="0" err="1">
                 <a:latin typeface="Consolas" panose="020B0609020204030204" pitchFamily="49" charset="0"/>
               </a:rPr>
-              <a:t>interp_defn</a:t>
+              <a:t>eval_defn</a:t>
             </a:r>
             <a:r>
               <a:rPr lang="en-US" dirty="0">
@@ -8274,7 +9197,7 @@
               <a:rPr lang="en-US" dirty="0">
                 <a:latin typeface="Consolas" panose="020B0609020204030204" pitchFamily="49" charset="0"/>
               </a:rPr>
-              <a:t>(str))) = do something with str???</a:t>
+              <a:t>(x)) = do something with x???</a:t>
             </a:r>
             <a:br>
               <a:rPr lang="en-US" dirty="0">
@@ -8303,7 +9226,19 @@
               <a:rPr lang="en-US" dirty="0">
                 <a:latin typeface="Consolas" panose="020B0609020204030204" pitchFamily="49" charset="0"/>
               </a:rPr>
-              <a:t>(f,e1)) = </a:t>
+              <a:t>(</a:t>
+            </a:r>
+            <a:r>
+              <a:rPr lang="en-US" dirty="0" err="1">
+                <a:latin typeface="Consolas" panose="020B0609020204030204" pitchFamily="49" charset="0"/>
+              </a:rPr>
+              <a:t>f,e</a:t>
+            </a:r>
+            <a:r>
+              <a:rPr lang="en-US" dirty="0">
+                <a:latin typeface="Consolas" panose="020B0609020204030204" pitchFamily="49" charset="0"/>
+              </a:rPr>
+              <a:t>)) = </a:t>
             </a:r>
             <a:r>
               <a:rPr lang="en-US" dirty="0" err="1">
@@ -8315,7 +9250,19 @@
               <a:rPr lang="en-US" dirty="0">
                 <a:latin typeface="Consolas" panose="020B0609020204030204" pitchFamily="49" charset="0"/>
               </a:rPr>
-              <a:t>(E,e1),</a:t>
+              <a:t>(</a:t>
+            </a:r>
+            <a:r>
+              <a:rPr lang="en-US" dirty="0" err="1">
+                <a:latin typeface="Consolas" panose="020B0609020204030204" pitchFamily="49" charset="0"/>
+              </a:rPr>
+              <a:t>E,e</a:t>
+            </a:r>
+            <a:r>
+              <a:rPr lang="en-US" dirty="0">
+                <a:latin typeface="Consolas" panose="020B0609020204030204" pitchFamily="49" charset="0"/>
+              </a:rPr>
+              <a:t>),</a:t>
             </a:r>
             <a:br>
               <a:rPr lang="en-US" dirty="0">
@@ -8326,7 +9273,7 @@
               <a:rPr lang="en-US" dirty="0">
                 <a:latin typeface="Consolas" panose="020B0609020204030204" pitchFamily="49" charset="0"/>
               </a:rPr>
-              <a:t>                          do something with f?</a:t>
+              <a:t>                         do something with f?</a:t>
             </a:r>
             <a:br>
               <a:rPr lang="en-US" dirty="0">
@@ -8339,6 +9286,35 @@
               </a:rPr>
             </a:br>
             <a:endParaRPr lang="en-US" dirty="0"/>
+          </a:p>
+        </p:txBody>
+      </p:sp>
+      <p:sp>
+        <p:nvSpPr>
+          <p:cNvPr id="4" name="Slide Number Placeholder 3">
+            <a:extLst>
+              <a:ext uri="{FF2B5EF4-FFF2-40B4-BE49-F238E27FC236}">
+                <a16:creationId xmlns:a16="http://schemas.microsoft.com/office/drawing/2014/main" id="{80FDA352-9439-8D4A-3297-F54CD8226F4A}"/>
+              </a:ext>
+            </a:extLst>
+          </p:cNvPr>
+          <p:cNvSpPr>
+            <a:spLocks noGrp="1"/>
+          </p:cNvSpPr>
+          <p:nvPr>
+            <p:ph type="sldNum" sz="quarter" idx="12"/>
+          </p:nvPr>
+        </p:nvSpPr>
+        <p:spPr/>
+        <p:txBody>
+          <a:bodyPr/>
+          <a:lstStyle/>
+          <a:p>
+            <a:fld id="{9BF27F29-4B64-4A24-936A-FF41C34C242B}" type="slidenum">
+              <a:rPr lang="en-US" smtClean="0"/>
+              <a:t>26</a:t>
+            </a:fld>
+            <a:endParaRPr lang="en-US"/>
           </a:p>
         </p:txBody>
       </p:sp>
@@ -8594,7 +9570,7 @@
               <a:rPr lang="en-US" dirty="0" err="1">
                 <a:latin typeface="Consolas" panose="020B0609020204030204" pitchFamily="49" charset="0"/>
               </a:rPr>
-              <a:t>interp_expr</a:t>
+              <a:t>eval_expr</a:t>
             </a:r>
             <a:r>
               <a:rPr lang="en-US" dirty="0">
@@ -8606,7 +9582,7 @@
               <a:rPr lang="en-US" dirty="0" err="1">
                 <a:latin typeface="Consolas" panose="020B0609020204030204" pitchFamily="49" charset="0"/>
               </a:rPr>
-              <a:t>interp_defn</a:t>
+              <a:t>eval_defn</a:t>
             </a:r>
             <a:r>
               <a:rPr lang="en-US" dirty="0">
@@ -8653,7 +9629,7 @@
               <a:rPr lang="en-US" dirty="0">
                 <a:latin typeface="Consolas" panose="020B0609020204030204" pitchFamily="49" charset="0"/>
               </a:rPr>
-              <a:t>(str)) = E(str) </a:t>
+              <a:t>(x)) = E(x) </a:t>
             </a:r>
             <a:br>
               <a:rPr lang="en-US" dirty="0">
@@ -8682,7 +9658,19 @@
               <a:rPr lang="en-US" dirty="0">
                 <a:latin typeface="Consolas" panose="020B0609020204030204" pitchFamily="49" charset="0"/>
               </a:rPr>
-              <a:t>(f,e1)) = </a:t>
+              <a:t>(</a:t>
+            </a:r>
+            <a:r>
+              <a:rPr lang="en-US" dirty="0" err="1">
+                <a:latin typeface="Consolas" panose="020B0609020204030204" pitchFamily="49" charset="0"/>
+              </a:rPr>
+              <a:t>f,e</a:t>
+            </a:r>
+            <a:r>
+              <a:rPr lang="en-US" dirty="0">
+                <a:latin typeface="Consolas" panose="020B0609020204030204" pitchFamily="49" charset="0"/>
+              </a:rPr>
+              <a:t>)) = </a:t>
             </a:r>
             <a:br>
               <a:rPr lang="en-US" dirty="0">
@@ -8711,7 +9699,7 @@
               <a:rPr lang="pt-BR" dirty="0">
                 <a:latin typeface="Consolas" panose="020B0609020204030204" pitchFamily="49" charset="0"/>
               </a:rPr>
-              <a:t>, e2</a:t>
+              <a:t>, e’</a:t>
             </a:r>
             <a:r>
               <a:rPr lang="en-US" dirty="0">
@@ -8728,7 +9716,7 @@
               <a:rPr lang="en-US" dirty="0">
                 <a:latin typeface="Consolas" panose="020B0609020204030204" pitchFamily="49" charset="0"/>
               </a:rPr>
-              <a:t>  where E(f(x))=e2</a:t>
+              <a:t>  where E(f(x))=e’</a:t>
             </a:r>
             <a:br>
               <a:rPr lang="en-US" dirty="0">
@@ -8745,7 +9733,7 @@
               <a:rPr lang="pt-BR" dirty="0">
                 <a:latin typeface="Consolas" panose="020B0609020204030204" pitchFamily="49" charset="0"/>
               </a:rPr>
-              <a:t>E[x↦eval_expr(E,e1)]</a:t>
+              <a:t>E[x↦eval_expr(E,e)]</a:t>
             </a:r>
             <a:br>
               <a:rPr lang="en-US" dirty="0">
@@ -8758,6 +9746,35 @@
               </a:rPr>
             </a:br>
             <a:endParaRPr lang="en-US" dirty="0"/>
+          </a:p>
+        </p:txBody>
+      </p:sp>
+      <p:sp>
+        <p:nvSpPr>
+          <p:cNvPr id="4" name="Slide Number Placeholder 3">
+            <a:extLst>
+              <a:ext uri="{FF2B5EF4-FFF2-40B4-BE49-F238E27FC236}">
+                <a16:creationId xmlns:a16="http://schemas.microsoft.com/office/drawing/2014/main" id="{EA2A265E-4332-B094-7A3C-412A85304B0E}"/>
+              </a:ext>
+            </a:extLst>
+          </p:cNvPr>
+          <p:cNvSpPr>
+            <a:spLocks noGrp="1"/>
+          </p:cNvSpPr>
+          <p:nvPr>
+            <p:ph type="sldNum" sz="quarter" idx="12"/>
+          </p:nvPr>
+        </p:nvSpPr>
+        <p:spPr/>
+        <p:txBody>
+          <a:bodyPr/>
+          <a:lstStyle/>
+          <a:p>
+            <a:fld id="{9BF27F29-4B64-4A24-936A-FF41C34C242B}" type="slidenum">
+              <a:rPr lang="en-US" smtClean="0"/>
+              <a:t>27</a:t>
+            </a:fld>
+            <a:endParaRPr lang="en-US"/>
           </a:p>
         </p:txBody>
       </p:sp>
@@ -8860,7 +9877,7 @@
               <a:rPr lang="pt-BR" dirty="0">
                 <a:latin typeface="Consolas" panose="020B0609020204030204" pitchFamily="49" charset="0"/>
               </a:rPr>
-              <a:t>eval_expr(E,Call(f,e1)) = </a:t>
+              <a:t>eval_expr(E,Call(f,e)) = </a:t>
             </a:r>
             <a:br>
               <a:rPr lang="pt-BR" dirty="0">
@@ -8871,7 +9888,7 @@
               <a:rPr lang="pt-BR" dirty="0">
                 <a:latin typeface="Consolas" panose="020B0609020204030204" pitchFamily="49" charset="0"/>
               </a:rPr>
-              <a:t>  eval_expr(E’, e2)</a:t>
+              <a:t>  eval_expr(E’, e’)</a:t>
             </a:r>
             <a:br>
               <a:rPr lang="pt-BR" dirty="0">
@@ -8882,7 +9899,7 @@
               <a:rPr lang="pt-BR" dirty="0">
                 <a:latin typeface="Consolas" panose="020B0609020204030204" pitchFamily="49" charset="0"/>
               </a:rPr>
-              <a:t>  where E(f(x))=e2</a:t>
+              <a:t>  where E(f(x))=e’</a:t>
             </a:r>
             <a:br>
               <a:rPr lang="pt-BR" dirty="0">
@@ -8893,7 +9910,7 @@
               <a:rPr lang="pt-BR" dirty="0">
                 <a:latin typeface="Consolas" panose="020B0609020204030204" pitchFamily="49" charset="0"/>
               </a:rPr>
-              <a:t>  and   E’ = {x↦eval_expr(E,e1)}</a:t>
+              <a:t>  and   E’ = {x↦eval_expr(E,e)}</a:t>
             </a:r>
           </a:p>
           <a:p>
@@ -8913,14 +9930,14 @@
             <a:pPr lvl="1"/>
             <a:r>
               <a:rPr lang="pt-BR" dirty="0"/>
-              <a:t>E’ =  {x↦eval_expr(E,e1)}  (Lexical scope / Static scope)</a:t>
+              <a:t>E’ =  {x↦eval_expr(E,e)}  (Lexical scope / Static scope)</a:t>
             </a:r>
           </a:p>
           <a:p>
             <a:pPr lvl="1"/>
             <a:r>
               <a:rPr lang="pt-BR" dirty="0"/>
-              <a:t>E’ = E[x↦eval_expr(E,e1)] (Dynamic scope)</a:t>
+              <a:t>E’ = E[x↦eval_expr(E,e)] (Dynamic scope)</a:t>
             </a:r>
           </a:p>
           <a:p>
@@ -8938,6 +9955,35 @@
               <a:rPr lang="pt-BR" dirty="0"/>
             </a:br>
             <a:endParaRPr lang="en-US" dirty="0"/>
+          </a:p>
+        </p:txBody>
+      </p:sp>
+      <p:sp>
+        <p:nvSpPr>
+          <p:cNvPr id="4" name="Slide Number Placeholder 3">
+            <a:extLst>
+              <a:ext uri="{FF2B5EF4-FFF2-40B4-BE49-F238E27FC236}">
+                <a16:creationId xmlns:a16="http://schemas.microsoft.com/office/drawing/2014/main" id="{EAD8E9A6-3333-741D-1855-79147C54F017}"/>
+              </a:ext>
+            </a:extLst>
+          </p:cNvPr>
+          <p:cNvSpPr>
+            <a:spLocks noGrp="1"/>
+          </p:cNvSpPr>
+          <p:nvPr>
+            <p:ph type="sldNum" sz="quarter" idx="12"/>
+          </p:nvPr>
+        </p:nvSpPr>
+        <p:spPr/>
+        <p:txBody>
+          <a:bodyPr/>
+          <a:lstStyle/>
+          <a:p>
+            <a:fld id="{9BF27F29-4B64-4A24-936A-FF41C34C242B}" type="slidenum">
+              <a:rPr lang="en-US" smtClean="0"/>
+              <a:t>28</a:t>
+            </a:fld>
+            <a:endParaRPr lang="en-US"/>
           </a:p>
         </p:txBody>
       </p:sp>
@@ -9085,6 +10131,35 @@
           </a:p>
         </p:txBody>
       </p:sp>
+      <p:sp>
+        <p:nvSpPr>
+          <p:cNvPr id="4" name="Slide Number Placeholder 3">
+            <a:extLst>
+              <a:ext uri="{FF2B5EF4-FFF2-40B4-BE49-F238E27FC236}">
+                <a16:creationId xmlns:a16="http://schemas.microsoft.com/office/drawing/2014/main" id="{7DB82518-6698-C206-1367-666AE51FC678}"/>
+              </a:ext>
+            </a:extLst>
+          </p:cNvPr>
+          <p:cNvSpPr>
+            <a:spLocks noGrp="1"/>
+          </p:cNvSpPr>
+          <p:nvPr>
+            <p:ph type="sldNum" sz="quarter" idx="12"/>
+          </p:nvPr>
+        </p:nvSpPr>
+        <p:spPr/>
+        <p:txBody>
+          <a:bodyPr/>
+          <a:lstStyle/>
+          <a:p>
+            <a:fld id="{9BF27F29-4B64-4A24-936A-FF41C34C242B}" type="slidenum">
+              <a:rPr lang="en-US" smtClean="0"/>
+              <a:t>29</a:t>
+            </a:fld>
+            <a:endParaRPr lang="en-US"/>
+          </a:p>
+        </p:txBody>
+      </p:sp>
     </p:spTree>
     <p:extLst>
       <p:ext uri="{BB962C8B-B14F-4D97-AF65-F5344CB8AC3E}">
@@ -9177,6 +10252,35 @@
           </a:p>
         </p:txBody>
       </p:sp>
+      <p:sp>
+        <p:nvSpPr>
+          <p:cNvPr id="4" name="Slide Number Placeholder 3">
+            <a:extLst>
+              <a:ext uri="{FF2B5EF4-FFF2-40B4-BE49-F238E27FC236}">
+                <a16:creationId xmlns:a16="http://schemas.microsoft.com/office/drawing/2014/main" id="{6BEF5C3C-70F0-FC6B-DCEE-0584790AFDC5}"/>
+              </a:ext>
+            </a:extLst>
+          </p:cNvPr>
+          <p:cNvSpPr>
+            <a:spLocks noGrp="1"/>
+          </p:cNvSpPr>
+          <p:nvPr>
+            <p:ph type="sldNum" sz="quarter" idx="12"/>
+          </p:nvPr>
+        </p:nvSpPr>
+        <p:spPr/>
+        <p:txBody>
+          <a:bodyPr/>
+          <a:lstStyle/>
+          <a:p>
+            <a:fld id="{9BF27F29-4B64-4A24-936A-FF41C34C242B}" type="slidenum">
+              <a:rPr lang="en-US" smtClean="0"/>
+              <a:t>3</a:t>
+            </a:fld>
+            <a:endParaRPr lang="en-US"/>
+          </a:p>
+        </p:txBody>
+      </p:sp>
     </p:spTree>
     <p:extLst>
       <p:ext uri="{BB962C8B-B14F-4D97-AF65-F5344CB8AC3E}">
@@ -9307,7 +10411,7 @@
             </a:r>
             <a:r>
               <a:rPr lang="pt-BR" dirty="0"/>
-              <a:t>E’ =  {x↦eval_expr(E,e1)} </a:t>
+              <a:t>E’ =  {x↦eval_expr(E,e)} </a:t>
             </a:r>
             <a:br>
               <a:rPr lang="pt-BR" dirty="0"/>
@@ -9320,6 +10424,35 @@
               <a:t>*In the technicial sense: dynamic scope was invented due an Implementer misunderstanding a paper from a Theorist</a:t>
             </a:r>
             <a:endParaRPr lang="pt-BR" sz="2300" b="1" dirty="0"/>
+          </a:p>
+        </p:txBody>
+      </p:sp>
+      <p:sp>
+        <p:nvSpPr>
+          <p:cNvPr id="4" name="Slide Number Placeholder 3">
+            <a:extLst>
+              <a:ext uri="{FF2B5EF4-FFF2-40B4-BE49-F238E27FC236}">
+                <a16:creationId xmlns:a16="http://schemas.microsoft.com/office/drawing/2014/main" id="{1AFCAAEE-A174-ECE6-3D81-AC80F2A3F49B}"/>
+              </a:ext>
+            </a:extLst>
+          </p:cNvPr>
+          <p:cNvSpPr>
+            <a:spLocks noGrp="1"/>
+          </p:cNvSpPr>
+          <p:nvPr>
+            <p:ph type="sldNum" sz="quarter" idx="12"/>
+          </p:nvPr>
+        </p:nvSpPr>
+        <p:spPr/>
+        <p:txBody>
+          <a:bodyPr/>
+          <a:lstStyle/>
+          <a:p>
+            <a:fld id="{9BF27F29-4B64-4A24-936A-FF41C34C242B}" type="slidenum">
+              <a:rPr lang="en-US" smtClean="0"/>
+              <a:t>30</a:t>
+            </a:fld>
+            <a:endParaRPr lang="en-US"/>
           </a:p>
         </p:txBody>
       </p:sp>
@@ -9721,6 +10854,35 @@
               </a:rPr>
             </a:br>
             <a:endParaRPr lang="en-US" sz="2400" dirty="0"/>
+          </a:p>
+        </p:txBody>
+      </p:sp>
+      <p:sp>
+        <p:nvSpPr>
+          <p:cNvPr id="4" name="Slide Number Placeholder 3">
+            <a:extLst>
+              <a:ext uri="{FF2B5EF4-FFF2-40B4-BE49-F238E27FC236}">
+                <a16:creationId xmlns:a16="http://schemas.microsoft.com/office/drawing/2014/main" id="{FE935668-94AA-0894-932F-EF0E16A296A0}"/>
+              </a:ext>
+            </a:extLst>
+          </p:cNvPr>
+          <p:cNvSpPr>
+            <a:spLocks noGrp="1"/>
+          </p:cNvSpPr>
+          <p:nvPr>
+            <p:ph type="sldNum" sz="quarter" idx="12"/>
+          </p:nvPr>
+        </p:nvSpPr>
+        <p:spPr/>
+        <p:txBody>
+          <a:bodyPr/>
+          <a:lstStyle/>
+          <a:p>
+            <a:fld id="{9BF27F29-4B64-4A24-936A-FF41C34C242B}" type="slidenum">
+              <a:rPr lang="en-US" smtClean="0"/>
+              <a:t>31</a:t>
+            </a:fld>
+            <a:endParaRPr lang="en-US"/>
           </a:p>
         </p:txBody>
       </p:sp>
@@ -10484,7 +11646,7 @@
               <a:rPr lang="en-US" dirty="0">
                 <a:latin typeface="Consolas" panose="020B0609020204030204" pitchFamily="49" charset="0"/>
               </a:rPr>
-              <a:t>(str))) = E(x)</a:t>
+              <a:t>(x)) = E(x)</a:t>
             </a:r>
             <a:br>
               <a:rPr lang="en-US" dirty="0">
@@ -10513,7 +11675,19 @@
               <a:rPr lang="en-US" dirty="0">
                 <a:latin typeface="Consolas" panose="020B0609020204030204" pitchFamily="49" charset="0"/>
               </a:rPr>
-              <a:t>(f,e1)) = </a:t>
+              <a:t>(</a:t>
+            </a:r>
+            <a:r>
+              <a:rPr lang="en-US" dirty="0" err="1">
+                <a:latin typeface="Consolas" panose="020B0609020204030204" pitchFamily="49" charset="0"/>
+              </a:rPr>
+              <a:t>f,e</a:t>
+            </a:r>
+            <a:r>
+              <a:rPr lang="en-US" dirty="0">
+                <a:latin typeface="Consolas" panose="020B0609020204030204" pitchFamily="49" charset="0"/>
+              </a:rPr>
+              <a:t>)) = </a:t>
             </a:r>
             <a:r>
               <a:rPr lang="en-US" dirty="0" err="1">
@@ -10525,7 +11699,19 @@
               <a:rPr lang="en-US" dirty="0">
                 <a:latin typeface="Consolas" panose="020B0609020204030204" pitchFamily="49" charset="0"/>
               </a:rPr>
-              <a:t>(E’,e2)</a:t>
+              <a:t>(</a:t>
+            </a:r>
+            <a:r>
+              <a:rPr lang="en-US" dirty="0" err="1">
+                <a:latin typeface="Consolas" panose="020B0609020204030204" pitchFamily="49" charset="0"/>
+              </a:rPr>
+              <a:t>E’,e</a:t>
+            </a:r>
+            <a:r>
+              <a:rPr lang="en-US" dirty="0">
+                <a:latin typeface="Consolas" panose="020B0609020204030204" pitchFamily="49" charset="0"/>
+              </a:rPr>
+              <a:t>’)</a:t>
             </a:r>
             <a:br>
               <a:rPr lang="en-US" dirty="0">
@@ -10536,7 +11722,7 @@
               <a:rPr lang="en-US" dirty="0">
                 <a:latin typeface="Consolas" panose="020B0609020204030204" pitchFamily="49" charset="0"/>
               </a:rPr>
-              <a:t>  where E(f(x)) = e2</a:t>
+              <a:t>  where E(f(x)) = e’</a:t>
             </a:r>
             <a:br>
               <a:rPr lang="en-US" dirty="0">
@@ -10559,7 +11745,19 @@
               <a:rPr lang="en-US" dirty="0">
                 <a:latin typeface="Consolas" panose="020B0609020204030204" pitchFamily="49" charset="0"/>
               </a:rPr>
-              <a:t>(E,e1)}</a:t>
+              <a:t>(</a:t>
+            </a:r>
+            <a:r>
+              <a:rPr lang="en-US" dirty="0" err="1">
+                <a:latin typeface="Consolas" panose="020B0609020204030204" pitchFamily="49" charset="0"/>
+              </a:rPr>
+              <a:t>E,e</a:t>
+            </a:r>
+            <a:r>
+              <a:rPr lang="en-US" dirty="0">
+                <a:latin typeface="Consolas" panose="020B0609020204030204" pitchFamily="49" charset="0"/>
+              </a:rPr>
+              <a:t>)}</a:t>
             </a:r>
           </a:p>
           <a:p>
@@ -10668,6 +11866,35 @@
               </a:rPr>
               <a:t>)) = E[f(x)↦e]</a:t>
             </a:r>
+          </a:p>
+        </p:txBody>
+      </p:sp>
+      <p:sp>
+        <p:nvSpPr>
+          <p:cNvPr id="4" name="Slide Number Placeholder 3">
+            <a:extLst>
+              <a:ext uri="{FF2B5EF4-FFF2-40B4-BE49-F238E27FC236}">
+                <a16:creationId xmlns:a16="http://schemas.microsoft.com/office/drawing/2014/main" id="{9023CE8A-7DB1-110A-761D-B90781F533E6}"/>
+              </a:ext>
+            </a:extLst>
+          </p:cNvPr>
+          <p:cNvSpPr>
+            <a:spLocks noGrp="1"/>
+          </p:cNvSpPr>
+          <p:nvPr>
+            <p:ph type="sldNum" sz="quarter" idx="12"/>
+          </p:nvPr>
+        </p:nvSpPr>
+        <p:spPr/>
+        <p:txBody>
+          <a:bodyPr/>
+          <a:lstStyle/>
+          <a:p>
+            <a:fld id="{9BF27F29-4B64-4A24-936A-FF41C34C242B}" type="slidenum">
+              <a:rPr lang="en-US" smtClean="0"/>
+              <a:t>32</a:t>
+            </a:fld>
+            <a:endParaRPr lang="en-US"/>
           </a:p>
         </p:txBody>
       </p:sp>
@@ -10751,8 +11978,12 @@
           <a:lstStyle/>
           <a:p>
             <a:r>
-              <a:rPr lang="en-US" dirty="0"/>
-              <a:t>Let’s write some simple programs in the complete interpreter:</a:t>
+              <a:rPr lang="en-US" b="1" dirty="0"/>
+              <a:t>Exercise: </a:t>
+            </a:r>
+            <a:r>
+              <a:rPr lang="en-US" dirty="0"/>
+              <a:t>Write some simple programs in the complete interpreter:</a:t>
             </a:r>
           </a:p>
           <a:p>
@@ -10801,6 +12032,35 @@
               <a:rPr lang="en-US" dirty="0"/>
               <a:t>In a non-Toi language, more complex types are essential</a:t>
             </a:r>
+          </a:p>
+        </p:txBody>
+      </p:sp>
+      <p:sp>
+        <p:nvSpPr>
+          <p:cNvPr id="4" name="Slide Number Placeholder 3">
+            <a:extLst>
+              <a:ext uri="{FF2B5EF4-FFF2-40B4-BE49-F238E27FC236}">
+                <a16:creationId xmlns:a16="http://schemas.microsoft.com/office/drawing/2014/main" id="{B63EFD88-22CA-2702-F833-242BDBB3CF42}"/>
+              </a:ext>
+            </a:extLst>
+          </p:cNvPr>
+          <p:cNvSpPr>
+            <a:spLocks noGrp="1"/>
+          </p:cNvSpPr>
+          <p:nvPr>
+            <p:ph type="sldNum" sz="quarter" idx="12"/>
+          </p:nvPr>
+        </p:nvSpPr>
+        <p:spPr/>
+        <p:txBody>
+          <a:bodyPr/>
+          <a:lstStyle/>
+          <a:p>
+            <a:fld id="{9BF27F29-4B64-4A24-936A-FF41C34C242B}" type="slidenum">
+              <a:rPr lang="en-US" smtClean="0"/>
+              <a:t>33</a:t>
+            </a:fld>
+            <a:endParaRPr lang="en-US"/>
           </a:p>
         </p:txBody>
       </p:sp>
@@ -10996,6 +12256,35 @@
           </a:p>
         </p:txBody>
       </p:sp>
+      <p:sp>
+        <p:nvSpPr>
+          <p:cNvPr id="4" name="Slide Number Placeholder 3">
+            <a:extLst>
+              <a:ext uri="{FF2B5EF4-FFF2-40B4-BE49-F238E27FC236}">
+                <a16:creationId xmlns:a16="http://schemas.microsoft.com/office/drawing/2014/main" id="{97E002F5-75AE-D19A-E57B-12DD230C32A5}"/>
+              </a:ext>
+            </a:extLst>
+          </p:cNvPr>
+          <p:cNvSpPr>
+            <a:spLocks noGrp="1"/>
+          </p:cNvSpPr>
+          <p:nvPr>
+            <p:ph type="sldNum" sz="quarter" idx="12"/>
+          </p:nvPr>
+        </p:nvSpPr>
+        <p:spPr/>
+        <p:txBody>
+          <a:bodyPr/>
+          <a:lstStyle/>
+          <a:p>
+            <a:fld id="{9BF27F29-4B64-4A24-936A-FF41C34C242B}" type="slidenum">
+              <a:rPr lang="en-US" smtClean="0"/>
+              <a:t>34</a:t>
+            </a:fld>
+            <a:endParaRPr lang="en-US"/>
+          </a:p>
+        </p:txBody>
+      </p:sp>
     </p:spTree>
     <p:extLst>
       <p:ext uri="{BB962C8B-B14F-4D97-AF65-F5344CB8AC3E}">
@@ -11270,6 +12559,35 @@
           </a:p>
         </p:txBody>
       </p:sp>
+      <p:sp>
+        <p:nvSpPr>
+          <p:cNvPr id="4" name="Slide Number Placeholder 3">
+            <a:extLst>
+              <a:ext uri="{FF2B5EF4-FFF2-40B4-BE49-F238E27FC236}">
+                <a16:creationId xmlns:a16="http://schemas.microsoft.com/office/drawing/2014/main" id="{80AD4D39-C32B-74F6-9432-D45071171B11}"/>
+              </a:ext>
+            </a:extLst>
+          </p:cNvPr>
+          <p:cNvSpPr>
+            <a:spLocks noGrp="1"/>
+          </p:cNvSpPr>
+          <p:nvPr>
+            <p:ph type="sldNum" sz="quarter" idx="12"/>
+          </p:nvPr>
+        </p:nvSpPr>
+        <p:spPr/>
+        <p:txBody>
+          <a:bodyPr/>
+          <a:lstStyle/>
+          <a:p>
+            <a:fld id="{9BF27F29-4B64-4A24-936A-FF41C34C242B}" type="slidenum">
+              <a:rPr lang="en-US" smtClean="0"/>
+              <a:t>35</a:t>
+            </a:fld>
+            <a:endParaRPr lang="en-US"/>
+          </a:p>
+        </p:txBody>
+      </p:sp>
     </p:spTree>
     <p:extLst>
       <p:ext uri="{BB962C8B-B14F-4D97-AF65-F5344CB8AC3E}">
@@ -11377,6 +12695,35 @@
           </a:p>
         </p:txBody>
       </p:sp>
+      <p:sp>
+        <p:nvSpPr>
+          <p:cNvPr id="4" name="Slide Number Placeholder 3">
+            <a:extLst>
+              <a:ext uri="{FF2B5EF4-FFF2-40B4-BE49-F238E27FC236}">
+                <a16:creationId xmlns:a16="http://schemas.microsoft.com/office/drawing/2014/main" id="{4CE92D36-786D-9555-45DE-FEF21BD9F333}"/>
+              </a:ext>
+            </a:extLst>
+          </p:cNvPr>
+          <p:cNvSpPr>
+            <a:spLocks noGrp="1"/>
+          </p:cNvSpPr>
+          <p:nvPr>
+            <p:ph type="sldNum" sz="quarter" idx="12"/>
+          </p:nvPr>
+        </p:nvSpPr>
+        <p:spPr/>
+        <p:txBody>
+          <a:bodyPr/>
+          <a:lstStyle/>
+          <a:p>
+            <a:fld id="{9BF27F29-4B64-4A24-936A-FF41C34C242B}" type="slidenum">
+              <a:rPr lang="en-US" smtClean="0"/>
+              <a:t>36</a:t>
+            </a:fld>
+            <a:endParaRPr lang="en-US"/>
+          </a:p>
+        </p:txBody>
+      </p:sp>
     </p:spTree>
     <p:extLst>
       <p:ext uri="{BB962C8B-B14F-4D97-AF65-F5344CB8AC3E}">
@@ -11463,6 +12810,35 @@
           </a:p>
         </p:txBody>
       </p:sp>
+      <p:sp>
+        <p:nvSpPr>
+          <p:cNvPr id="4" name="Slide Number Placeholder 3">
+            <a:extLst>
+              <a:ext uri="{FF2B5EF4-FFF2-40B4-BE49-F238E27FC236}">
+                <a16:creationId xmlns:a16="http://schemas.microsoft.com/office/drawing/2014/main" id="{6BF158D0-2085-2887-DF38-5E0E4809B322}"/>
+              </a:ext>
+            </a:extLst>
+          </p:cNvPr>
+          <p:cNvSpPr>
+            <a:spLocks noGrp="1"/>
+          </p:cNvSpPr>
+          <p:nvPr>
+            <p:ph type="sldNum" sz="quarter" idx="12"/>
+          </p:nvPr>
+        </p:nvSpPr>
+        <p:spPr/>
+        <p:txBody>
+          <a:bodyPr/>
+          <a:lstStyle/>
+          <a:p>
+            <a:fld id="{9BF27F29-4B64-4A24-936A-FF41C34C242B}" type="slidenum">
+              <a:rPr lang="en-US" smtClean="0"/>
+              <a:t>37</a:t>
+            </a:fld>
+            <a:endParaRPr lang="en-US"/>
+          </a:p>
+        </p:txBody>
+      </p:sp>
     </p:spTree>
     <p:extLst>
       <p:ext uri="{BB962C8B-B14F-4D97-AF65-F5344CB8AC3E}">
@@ -11563,8 +12939,37 @@
             <a:pPr lvl="1"/>
             <a:r>
               <a:rPr lang="en-US" dirty="0"/>
-              <a:t>Need Rust help? Office hours, Slack, and in-class review are good resources</a:t>
-            </a:r>
+              <a:t>Need Rust help? Office hours, Piazza, and in-class review are good resources</a:t>
+            </a:r>
+          </a:p>
+        </p:txBody>
+      </p:sp>
+      <p:sp>
+        <p:nvSpPr>
+          <p:cNvPr id="4" name="Slide Number Placeholder 3">
+            <a:extLst>
+              <a:ext uri="{FF2B5EF4-FFF2-40B4-BE49-F238E27FC236}">
+                <a16:creationId xmlns:a16="http://schemas.microsoft.com/office/drawing/2014/main" id="{1C3D18F0-90D5-E4FF-3233-D265F184568A}"/>
+              </a:ext>
+            </a:extLst>
+          </p:cNvPr>
+          <p:cNvSpPr>
+            <a:spLocks noGrp="1"/>
+          </p:cNvSpPr>
+          <p:nvPr>
+            <p:ph type="sldNum" sz="quarter" idx="12"/>
+          </p:nvPr>
+        </p:nvSpPr>
+        <p:spPr/>
+        <p:txBody>
+          <a:bodyPr/>
+          <a:lstStyle/>
+          <a:p>
+            <a:fld id="{9BF27F29-4B64-4A24-936A-FF41C34C242B}" type="slidenum">
+              <a:rPr lang="en-US" smtClean="0"/>
+              <a:t>4</a:t>
+            </a:fld>
+            <a:endParaRPr lang="en-US"/>
           </a:p>
         </p:txBody>
       </p:sp>
@@ -11647,6 +13052,35 @@
           <a:bodyPr/>
           <a:lstStyle/>
           <a:p>
+            <a:endParaRPr lang="en-US"/>
+          </a:p>
+        </p:txBody>
+      </p:sp>
+      <p:sp>
+        <p:nvSpPr>
+          <p:cNvPr id="4" name="Slide Number Placeholder 3">
+            <a:extLst>
+              <a:ext uri="{FF2B5EF4-FFF2-40B4-BE49-F238E27FC236}">
+                <a16:creationId xmlns:a16="http://schemas.microsoft.com/office/drawing/2014/main" id="{B06FDE89-9BC6-B36B-7E52-BB13CDCF42E1}"/>
+              </a:ext>
+            </a:extLst>
+          </p:cNvPr>
+          <p:cNvSpPr>
+            <a:spLocks noGrp="1"/>
+          </p:cNvSpPr>
+          <p:nvPr>
+            <p:ph type="sldNum" sz="quarter" idx="12"/>
+          </p:nvPr>
+        </p:nvSpPr>
+        <p:spPr/>
+        <p:txBody>
+          <a:bodyPr/>
+          <a:lstStyle/>
+          <a:p>
+            <a:fld id="{9BF27F29-4B64-4A24-936A-FF41C34C242B}" type="slidenum">
+              <a:rPr lang="en-US" smtClean="0"/>
+              <a:t>5</a:t>
+            </a:fld>
             <a:endParaRPr lang="en-US"/>
           </a:p>
         </p:txBody>
@@ -12508,7 +13942,7 @@
         <p:spPr>
           <a:xfrm>
             <a:off x="364516" y="5727032"/>
-            <a:ext cx="7059368" cy="461665"/>
+            <a:ext cx="5522089" cy="461665"/>
           </a:xfrm>
           <a:prstGeom prst="rect">
             <a:avLst/>
@@ -12523,8 +13957,37 @@
           <a:p>
             <a:r>
               <a:rPr lang="en-US" sz="2400" dirty="0"/>
-              <a:t>For the first time, we can type in a program and run it!!</a:t>
-            </a:r>
+              <a:t>For the first time, we can run a program!!</a:t>
+            </a:r>
+          </a:p>
+        </p:txBody>
+      </p:sp>
+      <p:sp>
+        <p:nvSpPr>
+          <p:cNvPr id="15" name="Slide Number Placeholder 14">
+            <a:extLst>
+              <a:ext uri="{FF2B5EF4-FFF2-40B4-BE49-F238E27FC236}">
+                <a16:creationId xmlns:a16="http://schemas.microsoft.com/office/drawing/2014/main" id="{A5594E97-AAEB-BEAD-53BD-83F0243CBC28}"/>
+              </a:ext>
+            </a:extLst>
+          </p:cNvPr>
+          <p:cNvSpPr>
+            <a:spLocks noGrp="1"/>
+          </p:cNvSpPr>
+          <p:nvPr>
+            <p:ph type="sldNum" sz="quarter" idx="12"/>
+          </p:nvPr>
+        </p:nvSpPr>
+        <p:spPr/>
+        <p:txBody>
+          <a:bodyPr/>
+          <a:lstStyle/>
+          <a:p>
+            <a:fld id="{9BF27F29-4B64-4A24-936A-FF41C34C242B}" type="slidenum">
+              <a:rPr lang="en-US" smtClean="0"/>
+              <a:t>6</a:t>
+            </a:fld>
+            <a:endParaRPr lang="en-US"/>
           </a:p>
         </p:txBody>
       </p:sp>
@@ -12663,6 +14126,35 @@
           </a:p>
         </p:txBody>
       </p:sp>
+      <p:sp>
+        <p:nvSpPr>
+          <p:cNvPr id="3" name="Slide Number Placeholder 2">
+            <a:extLst>
+              <a:ext uri="{FF2B5EF4-FFF2-40B4-BE49-F238E27FC236}">
+                <a16:creationId xmlns:a16="http://schemas.microsoft.com/office/drawing/2014/main" id="{52C12891-C352-B427-CE9D-6D6B99DB9ECB}"/>
+              </a:ext>
+            </a:extLst>
+          </p:cNvPr>
+          <p:cNvSpPr>
+            <a:spLocks noGrp="1"/>
+          </p:cNvSpPr>
+          <p:nvPr>
+            <p:ph type="sldNum" sz="quarter" idx="12"/>
+          </p:nvPr>
+        </p:nvSpPr>
+        <p:spPr/>
+        <p:txBody>
+          <a:bodyPr/>
+          <a:lstStyle/>
+          <a:p>
+            <a:fld id="{9BF27F29-4B64-4A24-936A-FF41C34C242B}" type="slidenum">
+              <a:rPr lang="en-US" smtClean="0"/>
+              <a:t>7</a:t>
+            </a:fld>
+            <a:endParaRPr lang="en-US"/>
+          </a:p>
+        </p:txBody>
+      </p:sp>
     </p:spTree>
     <p:extLst>
       <p:ext uri="{BB962C8B-B14F-4D97-AF65-F5344CB8AC3E}">
@@ -12859,11 +14351,40 @@
           <a:p>
             <a:r>
               <a:rPr lang="en-US" dirty="0"/>
-              <a:t>We will fill in the ??? As we explore interpreters</a:t>
+              <a:t>We will fill in the ??? as we explore evaluation</a:t>
             </a:r>
           </a:p>
           <a:p>
             <a:endParaRPr lang="en-US" b="1" dirty="0"/>
+          </a:p>
+        </p:txBody>
+      </p:sp>
+      <p:sp>
+        <p:nvSpPr>
+          <p:cNvPr id="3" name="Slide Number Placeholder 2">
+            <a:extLst>
+              <a:ext uri="{FF2B5EF4-FFF2-40B4-BE49-F238E27FC236}">
+                <a16:creationId xmlns:a16="http://schemas.microsoft.com/office/drawing/2014/main" id="{94133FA9-AFC1-6C19-2C5A-69F24A3D7DA9}"/>
+              </a:ext>
+            </a:extLst>
+          </p:cNvPr>
+          <p:cNvSpPr>
+            <a:spLocks noGrp="1"/>
+          </p:cNvSpPr>
+          <p:nvPr>
+            <p:ph type="sldNum" sz="quarter" idx="12"/>
+          </p:nvPr>
+        </p:nvSpPr>
+        <p:spPr/>
+        <p:txBody>
+          <a:bodyPr/>
+          <a:lstStyle/>
+          <a:p>
+            <a:fld id="{9BF27F29-4B64-4A24-936A-FF41C34C242B}" type="slidenum">
+              <a:rPr lang="en-US" smtClean="0"/>
+              <a:t>8</a:t>
+            </a:fld>
+            <a:endParaRPr lang="en-US"/>
           </a:p>
         </p:txBody>
       </p:sp>
@@ -13021,6 +14542,35 @@
           </a:p>
           <a:p>
             <a:endParaRPr lang="en-US" b="1" dirty="0"/>
+          </a:p>
+        </p:txBody>
+      </p:sp>
+      <p:sp>
+        <p:nvSpPr>
+          <p:cNvPr id="3" name="Slide Number Placeholder 2">
+            <a:extLst>
+              <a:ext uri="{FF2B5EF4-FFF2-40B4-BE49-F238E27FC236}">
+                <a16:creationId xmlns:a16="http://schemas.microsoft.com/office/drawing/2014/main" id="{27128C7A-0FAE-2B58-FC1C-DB421142EA28}"/>
+              </a:ext>
+            </a:extLst>
+          </p:cNvPr>
+          <p:cNvSpPr>
+            <a:spLocks noGrp="1"/>
+          </p:cNvSpPr>
+          <p:nvPr>
+            <p:ph type="sldNum" sz="quarter" idx="12"/>
+          </p:nvPr>
+        </p:nvSpPr>
+        <p:spPr/>
+        <p:txBody>
+          <a:bodyPr/>
+          <a:lstStyle/>
+          <a:p>
+            <a:fld id="{9BF27F29-4B64-4A24-936A-FF41C34C242B}" type="slidenum">
+              <a:rPr lang="en-US" smtClean="0"/>
+              <a:t>9</a:t>
+            </a:fld>
+            <a:endParaRPr lang="en-US"/>
           </a:p>
         </p:txBody>
       </p:sp>
@@ -13318,4 +14868,319 @@
     </a:ext>
   </a:extLst>
 </a:theme>
+</file>
+
+<file path=ppt/theme/theme2.xml><?xml version="1.0" encoding="utf-8"?>
+<a:theme xmlns:a="http://schemas.openxmlformats.org/drawingml/2006/main" name="Office Theme">
+  <a:themeElements>
+    <a:clrScheme name="Office">
+      <a:dk1>
+        <a:sysClr val="windowText" lastClr="000000"/>
+      </a:dk1>
+      <a:lt1>
+        <a:sysClr val="window" lastClr="FFFFFF"/>
+      </a:lt1>
+      <a:dk2>
+        <a:srgbClr val="0E2841"/>
+      </a:dk2>
+      <a:lt2>
+        <a:srgbClr val="E8E8E8"/>
+      </a:lt2>
+      <a:accent1>
+        <a:srgbClr val="156082"/>
+      </a:accent1>
+      <a:accent2>
+        <a:srgbClr val="E97132"/>
+      </a:accent2>
+      <a:accent3>
+        <a:srgbClr val="196B24"/>
+      </a:accent3>
+      <a:accent4>
+        <a:srgbClr val="0F9ED5"/>
+      </a:accent4>
+      <a:accent5>
+        <a:srgbClr val="A02B93"/>
+      </a:accent5>
+      <a:accent6>
+        <a:srgbClr val="4EA72E"/>
+      </a:accent6>
+      <a:hlink>
+        <a:srgbClr val="467886"/>
+      </a:hlink>
+      <a:folHlink>
+        <a:srgbClr val="96607D"/>
+      </a:folHlink>
+    </a:clrScheme>
+    <a:fontScheme name="Office">
+      <a:majorFont>
+        <a:latin typeface="Aptos Display" panose="02110004020202020204"/>
+        <a:ea typeface=""/>
+        <a:cs typeface=""/>
+        <a:font script="Jpan" typeface="游ゴシック Light"/>
+        <a:font script="Hang" typeface="맑은 고딕"/>
+        <a:font script="Hans" typeface="等线 Light"/>
+        <a:font script="Hant" typeface="新細明體"/>
+        <a:font script="Arab" typeface="Times New Roman"/>
+        <a:font script="Hebr" typeface="Times New Roman"/>
+        <a:font script="Thai" typeface="Angsana New"/>
+        <a:font script="Ethi" typeface="Nyala"/>
+        <a:font script="Beng" typeface="Vrinda"/>
+        <a:font script="Gujr" typeface="Shruti"/>
+        <a:font script="Khmr" typeface="MoolBoran"/>
+        <a:font script="Knda" typeface="Tunga"/>
+        <a:font script="Guru" typeface="Raavi"/>
+        <a:font script="Cans" typeface="Euphemia"/>
+        <a:font script="Cher" typeface="Plantagenet Cherokee"/>
+        <a:font script="Yiii" typeface="Microsoft Yi Baiti"/>
+        <a:font script="Tibt" typeface="Microsoft Himalaya"/>
+        <a:font script="Thaa" typeface="MV Boli"/>
+        <a:font script="Deva" typeface="Mangal"/>
+        <a:font script="Telu" typeface="Gautami"/>
+        <a:font script="Taml" typeface="Latha"/>
+        <a:font script="Syrc" typeface="Estrangelo Edessa"/>
+        <a:font script="Orya" typeface="Kalinga"/>
+        <a:font script="Mlym" typeface="Kartika"/>
+        <a:font script="Laoo" typeface="DokChampa"/>
+        <a:font script="Sinh" typeface="Iskoola Pota"/>
+        <a:font script="Mong" typeface="Mongolian Baiti"/>
+        <a:font script="Viet" typeface="Times New Roman"/>
+        <a:font script="Uigh" typeface="Microsoft Uighur"/>
+        <a:font script="Geor" typeface="Sylfaen"/>
+        <a:font script="Armn" typeface="Arial"/>
+        <a:font script="Bugi" typeface="Leelawadee UI"/>
+        <a:font script="Bopo" typeface="Microsoft JhengHei"/>
+        <a:font script="Java" typeface="Javanese Text"/>
+        <a:font script="Lisu" typeface="Segoe UI"/>
+        <a:font script="Mymr" typeface="Myanmar Text"/>
+        <a:font script="Nkoo" typeface="Ebrima"/>
+        <a:font script="Olck" typeface="Nirmala UI"/>
+        <a:font script="Osma" typeface="Ebrima"/>
+        <a:font script="Phag" typeface="Phagspa"/>
+        <a:font script="Syrn" typeface="Estrangelo Edessa"/>
+        <a:font script="Syrj" typeface="Estrangelo Edessa"/>
+        <a:font script="Syre" typeface="Estrangelo Edessa"/>
+        <a:font script="Sora" typeface="Nirmala UI"/>
+        <a:font script="Tale" typeface="Microsoft Tai Le"/>
+        <a:font script="Talu" typeface="Microsoft New Tai Lue"/>
+        <a:font script="Tfng" typeface="Ebrima"/>
+      </a:majorFont>
+      <a:minorFont>
+        <a:latin typeface="Aptos" panose="02110004020202020204"/>
+        <a:ea typeface=""/>
+        <a:cs typeface=""/>
+        <a:font script="Jpan" typeface="游ゴシック"/>
+        <a:font script="Hang" typeface="맑은 고딕"/>
+        <a:font script="Hans" typeface="等线"/>
+        <a:font script="Hant" typeface="新細明體"/>
+        <a:font script="Arab" typeface="Arial"/>
+        <a:font script="Hebr" typeface="Arial"/>
+        <a:font script="Thai" typeface="Cordia New"/>
+        <a:font script="Ethi" typeface="Nyala"/>
+        <a:font script="Beng" typeface="Vrinda"/>
+        <a:font script="Gujr" typeface="Shruti"/>
+        <a:font script="Khmr" typeface="DaunPenh"/>
+        <a:font script="Knda" typeface="Tunga"/>
+        <a:font script="Guru" typeface="Raavi"/>
+        <a:font script="Cans" typeface="Euphemia"/>
+        <a:font script="Cher" typeface="Plantagenet Cherokee"/>
+        <a:font script="Yiii" typeface="Microsoft Yi Baiti"/>
+        <a:font script="Tibt" typeface="Microsoft Himalaya"/>
+        <a:font script="Thaa" typeface="MV Boli"/>
+        <a:font script="Deva" typeface="Mangal"/>
+        <a:font script="Telu" typeface="Gautami"/>
+        <a:font script="Taml" typeface="Latha"/>
+        <a:font script="Syrc" typeface="Estrangelo Edessa"/>
+        <a:font script="Orya" typeface="Kalinga"/>
+        <a:font script="Mlym" typeface="Kartika"/>
+        <a:font script="Laoo" typeface="DokChampa"/>
+        <a:font script="Sinh" typeface="Iskoola Pota"/>
+        <a:font script="Mong" typeface="Mongolian Baiti"/>
+        <a:font script="Viet" typeface="Arial"/>
+        <a:font script="Uigh" typeface="Microsoft Uighur"/>
+        <a:font script="Geor" typeface="Sylfaen"/>
+        <a:font script="Armn" typeface="Arial"/>
+        <a:font script="Bugi" typeface="Leelawadee UI"/>
+        <a:font script="Bopo" typeface="Microsoft JhengHei"/>
+        <a:font script="Java" typeface="Javanese Text"/>
+        <a:font script="Lisu" typeface="Segoe UI"/>
+        <a:font script="Mymr" typeface="Myanmar Text"/>
+        <a:font script="Nkoo" typeface="Ebrima"/>
+        <a:font script="Olck" typeface="Nirmala UI"/>
+        <a:font script="Osma" typeface="Ebrima"/>
+        <a:font script="Phag" typeface="Phagspa"/>
+        <a:font script="Syrn" typeface="Estrangelo Edessa"/>
+        <a:font script="Syrj" typeface="Estrangelo Edessa"/>
+        <a:font script="Syre" typeface="Estrangelo Edessa"/>
+        <a:font script="Sora" typeface="Nirmala UI"/>
+        <a:font script="Tale" typeface="Microsoft Tai Le"/>
+        <a:font script="Talu" typeface="Microsoft New Tai Lue"/>
+        <a:font script="Tfng" typeface="Ebrima"/>
+      </a:minorFont>
+    </a:fontScheme>
+    <a:fmtScheme name="Office">
+      <a:fillStyleLst>
+        <a:solidFill>
+          <a:schemeClr val="phClr"/>
+        </a:solidFill>
+        <a:gradFill rotWithShape="1">
+          <a:gsLst>
+            <a:gs pos="0">
+              <a:schemeClr val="phClr">
+                <a:lumMod val="110000"/>
+                <a:satMod val="105000"/>
+                <a:tint val="67000"/>
+              </a:schemeClr>
+            </a:gs>
+            <a:gs pos="50000">
+              <a:schemeClr val="phClr">
+                <a:lumMod val="105000"/>
+                <a:satMod val="103000"/>
+                <a:tint val="73000"/>
+              </a:schemeClr>
+            </a:gs>
+            <a:gs pos="100000">
+              <a:schemeClr val="phClr">
+                <a:lumMod val="105000"/>
+                <a:satMod val="109000"/>
+                <a:tint val="81000"/>
+              </a:schemeClr>
+            </a:gs>
+          </a:gsLst>
+          <a:lin ang="5400000" scaled="0"/>
+        </a:gradFill>
+        <a:gradFill rotWithShape="1">
+          <a:gsLst>
+            <a:gs pos="0">
+              <a:schemeClr val="phClr">
+                <a:satMod val="103000"/>
+                <a:lumMod val="102000"/>
+                <a:tint val="94000"/>
+              </a:schemeClr>
+            </a:gs>
+            <a:gs pos="50000">
+              <a:schemeClr val="phClr">
+                <a:satMod val="110000"/>
+                <a:lumMod val="100000"/>
+                <a:shade val="100000"/>
+              </a:schemeClr>
+            </a:gs>
+            <a:gs pos="100000">
+              <a:schemeClr val="phClr">
+                <a:lumMod val="99000"/>
+                <a:satMod val="120000"/>
+                <a:shade val="78000"/>
+              </a:schemeClr>
+            </a:gs>
+          </a:gsLst>
+          <a:lin ang="5400000" scaled="0"/>
+        </a:gradFill>
+      </a:fillStyleLst>
+      <a:lnStyleLst>
+        <a:ln w="12700" cap="flat" cmpd="sng" algn="ctr">
+          <a:solidFill>
+            <a:schemeClr val="phClr"/>
+          </a:solidFill>
+          <a:prstDash val="solid"/>
+          <a:miter lim="800000"/>
+        </a:ln>
+        <a:ln w="19050" cap="flat" cmpd="sng" algn="ctr">
+          <a:solidFill>
+            <a:schemeClr val="phClr"/>
+          </a:solidFill>
+          <a:prstDash val="solid"/>
+          <a:miter lim="800000"/>
+        </a:ln>
+        <a:ln w="25400" cap="flat" cmpd="sng" algn="ctr">
+          <a:solidFill>
+            <a:schemeClr val="phClr"/>
+          </a:solidFill>
+          <a:prstDash val="solid"/>
+          <a:miter lim="800000"/>
+        </a:ln>
+      </a:lnStyleLst>
+      <a:effectStyleLst>
+        <a:effectStyle>
+          <a:effectLst/>
+        </a:effectStyle>
+        <a:effectStyle>
+          <a:effectLst/>
+        </a:effectStyle>
+        <a:effectStyle>
+          <a:effectLst>
+            <a:outerShdw blurRad="57150" dist="19050" dir="5400000" algn="ctr" rotWithShape="0">
+              <a:srgbClr val="000000">
+                <a:alpha val="63000"/>
+              </a:srgbClr>
+            </a:outerShdw>
+          </a:effectLst>
+        </a:effectStyle>
+      </a:effectStyleLst>
+      <a:bgFillStyleLst>
+        <a:solidFill>
+          <a:schemeClr val="phClr"/>
+        </a:solidFill>
+        <a:solidFill>
+          <a:schemeClr val="phClr">
+            <a:tint val="95000"/>
+            <a:satMod val="170000"/>
+          </a:schemeClr>
+        </a:solidFill>
+        <a:gradFill rotWithShape="1">
+          <a:gsLst>
+            <a:gs pos="0">
+              <a:schemeClr val="phClr">
+                <a:tint val="93000"/>
+                <a:satMod val="150000"/>
+                <a:shade val="98000"/>
+                <a:lumMod val="102000"/>
+              </a:schemeClr>
+            </a:gs>
+            <a:gs pos="50000">
+              <a:schemeClr val="phClr">
+                <a:tint val="98000"/>
+                <a:satMod val="130000"/>
+                <a:shade val="90000"/>
+                <a:lumMod val="103000"/>
+              </a:schemeClr>
+            </a:gs>
+            <a:gs pos="100000">
+              <a:schemeClr val="phClr">
+                <a:shade val="63000"/>
+                <a:satMod val="120000"/>
+              </a:schemeClr>
+            </a:gs>
+          </a:gsLst>
+          <a:lin ang="5400000" scaled="0"/>
+        </a:gradFill>
+      </a:bgFillStyleLst>
+    </a:fmtScheme>
+  </a:themeElements>
+  <a:objectDefaults>
+    <a:lnDef>
+      <a:spPr/>
+      <a:bodyPr/>
+      <a:lstStyle/>
+      <a:style>
+        <a:lnRef idx="2">
+          <a:schemeClr val="accent1"/>
+        </a:lnRef>
+        <a:fillRef idx="0">
+          <a:schemeClr val="accent1"/>
+        </a:fillRef>
+        <a:effectRef idx="1">
+          <a:schemeClr val="accent1"/>
+        </a:effectRef>
+        <a:fontRef idx="minor">
+          <a:schemeClr val="tx1"/>
+        </a:fontRef>
+      </a:style>
+    </a:lnDef>
+  </a:objectDefaults>
+  <a:extraClrSchemeLst/>
+  <a:extLst>
+    <a:ext uri="{05A4C25C-085E-4340-85A3-A5531E510DB2}">
+      <thm15:themeFamily xmlns:thm15="http://schemas.microsoft.com/office/thememl/2012/main" name="Office Theme" id="{2E142A2C-CD16-42D6-873A-C26D2A0506FA}" vid="{1BDDFF52-6CD6-40A5-AB3C-68EB2F1E4D0A}"/>
+    </a:ext>
+  </a:extLst>
+</a:theme>
 </file>